--- a/public/OWASP-2015.pptx
+++ b/public/OWASP-2015.pptx
@@ -8,50 +8,51 @@
     <p:sldMasterId id="2147483681" r:id="rId7"/>
   </p:sldMasterIdLst>
   <p:notesMasterIdLst>
-    <p:notesMasterId r:id="rId46"/>
+    <p:notesMasterId r:id="rId47"/>
   </p:notesMasterIdLst>
   <p:handoutMasterIdLst>
-    <p:handoutMasterId r:id="rId47"/>
+    <p:handoutMasterId r:id="rId48"/>
   </p:handoutMasterIdLst>
   <p:sldIdLst>
     <p:sldId id="610" r:id="rId8"/>
-    <p:sldId id="630" r:id="rId9"/>
-    <p:sldId id="631" r:id="rId10"/>
-    <p:sldId id="633" r:id="rId11"/>
-    <p:sldId id="634" r:id="rId12"/>
-    <p:sldId id="636" r:id="rId13"/>
-    <p:sldId id="614" r:id="rId14"/>
-    <p:sldId id="618" r:id="rId15"/>
-    <p:sldId id="619" r:id="rId16"/>
-    <p:sldId id="620" r:id="rId17"/>
-    <p:sldId id="621" r:id="rId18"/>
-    <p:sldId id="626" r:id="rId19"/>
-    <p:sldId id="622" r:id="rId20"/>
-    <p:sldId id="623" r:id="rId21"/>
-    <p:sldId id="624" r:id="rId22"/>
-    <p:sldId id="625" r:id="rId23"/>
-    <p:sldId id="640" r:id="rId24"/>
-    <p:sldId id="641" r:id="rId25"/>
-    <p:sldId id="642" r:id="rId26"/>
-    <p:sldId id="643" r:id="rId27"/>
-    <p:sldId id="644" r:id="rId28"/>
-    <p:sldId id="645" r:id="rId29"/>
-    <p:sldId id="650" r:id="rId30"/>
-    <p:sldId id="651" r:id="rId31"/>
-    <p:sldId id="652" r:id="rId32"/>
-    <p:sldId id="648" r:id="rId33"/>
-    <p:sldId id="649" r:id="rId34"/>
-    <p:sldId id="646" r:id="rId35"/>
-    <p:sldId id="647" r:id="rId36"/>
-    <p:sldId id="653" r:id="rId37"/>
-    <p:sldId id="654" r:id="rId38"/>
-    <p:sldId id="655" r:id="rId39"/>
-    <p:sldId id="656" r:id="rId40"/>
-    <p:sldId id="657" r:id="rId41"/>
-    <p:sldId id="658" r:id="rId42"/>
-    <p:sldId id="637" r:id="rId43"/>
-    <p:sldId id="638" r:id="rId44"/>
-    <p:sldId id="632" r:id="rId45"/>
+    <p:sldId id="659" r:id="rId9"/>
+    <p:sldId id="630" r:id="rId10"/>
+    <p:sldId id="631" r:id="rId11"/>
+    <p:sldId id="633" r:id="rId12"/>
+    <p:sldId id="634" r:id="rId13"/>
+    <p:sldId id="636" r:id="rId14"/>
+    <p:sldId id="614" r:id="rId15"/>
+    <p:sldId id="618" r:id="rId16"/>
+    <p:sldId id="619" r:id="rId17"/>
+    <p:sldId id="620" r:id="rId18"/>
+    <p:sldId id="621" r:id="rId19"/>
+    <p:sldId id="626" r:id="rId20"/>
+    <p:sldId id="622" r:id="rId21"/>
+    <p:sldId id="623" r:id="rId22"/>
+    <p:sldId id="624" r:id="rId23"/>
+    <p:sldId id="625" r:id="rId24"/>
+    <p:sldId id="640" r:id="rId25"/>
+    <p:sldId id="641" r:id="rId26"/>
+    <p:sldId id="642" r:id="rId27"/>
+    <p:sldId id="643" r:id="rId28"/>
+    <p:sldId id="644" r:id="rId29"/>
+    <p:sldId id="645" r:id="rId30"/>
+    <p:sldId id="650" r:id="rId31"/>
+    <p:sldId id="651" r:id="rId32"/>
+    <p:sldId id="652" r:id="rId33"/>
+    <p:sldId id="648" r:id="rId34"/>
+    <p:sldId id="649" r:id="rId35"/>
+    <p:sldId id="646" r:id="rId36"/>
+    <p:sldId id="647" r:id="rId37"/>
+    <p:sldId id="653" r:id="rId38"/>
+    <p:sldId id="654" r:id="rId39"/>
+    <p:sldId id="655" r:id="rId40"/>
+    <p:sldId id="656" r:id="rId41"/>
+    <p:sldId id="660" r:id="rId42"/>
+    <p:sldId id="658" r:id="rId43"/>
+    <p:sldId id="637" r:id="rId44"/>
+    <p:sldId id="638" r:id="rId45"/>
+    <p:sldId id="632" r:id="rId46"/>
   </p:sldIdLst>
   <p:sldSz cx="9144000" cy="6858000" type="screen4x3"/>
   <p:notesSz cx="6985000" cy="9271000"/>
@@ -245,7 +246,7 @@
             <a:fld id="{3725290F-4F2C-C240-B81C-B5628CBF977D}" type="datetimeFigureOut">
               <a:rPr lang="en-US" smtClean="0"/>
               <a:pPr/>
-              <a:t>04/27/2015</a:t>
+              <a:t>05/07/2015</a:t>
             </a:fld>
             <a:endParaRPr lang="en-US" dirty="0"/>
           </a:p>
@@ -413,7 +414,7 @@
             <a:fld id="{300E1903-A379-EC47-AB56-F600C3D3CEF1}" type="datetimeFigureOut">
               <a:rPr lang="en-US" smtClean="0"/>
               <a:pPr/>
-              <a:t>04/27/2015</a:t>
+              <a:t>05/07/2015</a:t>
             </a:fld>
             <a:endParaRPr lang="en-US" dirty="0"/>
           </a:p>
@@ -7975,7 +7976,7 @@
                 </a:solidFill>
               </a:rPr>
               <a:pPr/>
-              <a:t>04/27/2015</a:t>
+              <a:t>05/07/2015</a:t>
             </a:fld>
             <a:endParaRPr lang="en-US" sz="1000" b="1" dirty="0">
               <a:ln>
@@ -8550,7 +8551,7 @@
                 </a:solidFill>
               </a:rPr>
               <a:pPr/>
-              <a:t>04/27/2015</a:t>
+              <a:t>05/07/2015</a:t>
             </a:fld>
             <a:endParaRPr lang="en-US" sz="1000" b="1" dirty="0">
               <a:ln>
@@ -8585,14 +8586,6 @@
           </a:bodyPr>
           <a:lstStyle/>
           <a:p>
-            <a:r>
-              <a:rPr lang="en-US" sz="1000" b="1" dirty="0" smtClean="0">
-                <a:solidFill>
-                  <a:srgbClr val="6B6F71"/>
-                </a:solidFill>
-              </a:rPr>
-              <a:t>Footer</a:t>
-            </a:r>
             <a:endParaRPr lang="en-US" sz="1000" b="1" dirty="0">
               <a:solidFill>
                 <a:srgbClr val="6B6F71"/>
@@ -9215,7 +9208,7 @@
                 </a:solidFill>
               </a:rPr>
               <a:pPr/>
-              <a:t>04/27/2015</a:t>
+              <a:t>05/07/2015</a:t>
             </a:fld>
             <a:endParaRPr lang="en-US" sz="1000" b="1" dirty="0">
               <a:ln>
@@ -9873,7 +9866,7 @@
                 </a:solidFill>
               </a:rPr>
               <a:pPr/>
-              <a:t>04/27/2015</a:t>
+              <a:t>05/07/2015</a:t>
             </a:fld>
             <a:endParaRPr lang="en-US" sz="1000" b="1" dirty="0">
               <a:ln>
@@ -10329,8 +10322,8 @@
           <a:lstStyle/>
           <a:p>
             <a:r>
-              <a:rPr lang="en-US" dirty="0" smtClean="0"/>
-              <a:t>May 1, </a:t>
+              <a:rPr lang="en-US" smtClean="0"/>
+              <a:t>May 7, </a:t>
             </a:r>
             <a:r>
               <a:rPr lang="en-US" dirty="0" smtClean="0"/>
@@ -10359,6 +10352,73 @@
 </file>
 
 <file path=ppt/slides/slide10.xml><?xml version="1.0" encoding="utf-8"?>
+<p:sld xmlns:a="http://schemas.openxmlformats.org/drawingml/2006/main" xmlns:r="http://schemas.openxmlformats.org/officeDocument/2006/relationships" xmlns:p="http://schemas.openxmlformats.org/presentationml/2006/main">
+  <p:cSld>
+    <p:spTree>
+      <p:nvGrpSpPr>
+        <p:cNvPr id="1" name=""/>
+        <p:cNvGrpSpPr/>
+        <p:nvPr/>
+      </p:nvGrpSpPr>
+      <p:grpSpPr>
+        <a:xfrm>
+          <a:off x="0" y="0"/>
+          <a:ext cx="0" cy="0"/>
+          <a:chOff x="0" y="0"/>
+          <a:chExt cx="0" cy="0"/>
+        </a:xfrm>
+      </p:grpSpPr>
+      <p:pic>
+        <p:nvPicPr>
+          <p:cNvPr id="2050" name="Picture 2"/>
+          <p:cNvPicPr>
+            <a:picLocks noChangeAspect="1" noChangeArrowheads="1"/>
+          </p:cNvPicPr>
+          <p:nvPr/>
+        </p:nvPicPr>
+        <p:blipFill>
+          <a:blip r:embed="rId2"/>
+          <a:srcRect/>
+          <a:stretch>
+            <a:fillRect/>
+          </a:stretch>
+        </p:blipFill>
+        <p:spPr bwMode="auto">
+          <a:xfrm>
+            <a:off x="0" y="0"/>
+            <a:ext cx="9189720" cy="5743575"/>
+          </a:xfrm>
+          <a:prstGeom prst="rect">
+            <a:avLst/>
+          </a:prstGeom>
+          <a:noFill/>
+          <a:ln w="9525">
+            <a:noFill/>
+            <a:miter lim="800000"/>
+            <a:headEnd/>
+            <a:tailEnd/>
+          </a:ln>
+        </p:spPr>
+      </p:pic>
+    </p:spTree>
+  </p:cSld>
+  <p:clrMapOvr>
+    <a:masterClrMapping/>
+  </p:clrMapOvr>
+  <p:transition>
+    <p:fade/>
+  </p:transition>
+  <p:timing>
+    <p:tnLst>
+      <p:par>
+        <p:cTn id="1" dur="indefinite" restart="never" nodeType="tmRoot"/>
+      </p:par>
+    </p:tnLst>
+  </p:timing>
+</p:sld>
+</file>
+
+<file path=ppt/slides/slide11.xml><?xml version="1.0" encoding="utf-8"?>
 <p:sld xmlns:a="http://schemas.openxmlformats.org/drawingml/2006/main" xmlns:r="http://schemas.openxmlformats.org/officeDocument/2006/relationships" xmlns:p="http://schemas.openxmlformats.org/presentationml/2006/main">
   <p:cSld>
     <p:spTree>
@@ -10425,7 +10485,7 @@
 </p:sld>
 </file>
 
-<file path=ppt/slides/slide11.xml><?xml version="1.0" encoding="utf-8"?>
+<file path=ppt/slides/slide12.xml><?xml version="1.0" encoding="utf-8"?>
 <p:sld xmlns:a="http://schemas.openxmlformats.org/drawingml/2006/main" xmlns:r="http://schemas.openxmlformats.org/officeDocument/2006/relationships" xmlns:p="http://schemas.openxmlformats.org/presentationml/2006/main">
   <p:cSld>
     <p:spTree>
@@ -10492,7 +10552,7 @@
 </p:sld>
 </file>
 
-<file path=ppt/slides/slide12.xml><?xml version="1.0" encoding="utf-8"?>
+<file path=ppt/slides/slide13.xml><?xml version="1.0" encoding="utf-8"?>
 <p:sld xmlns:a="http://schemas.openxmlformats.org/drawingml/2006/main" xmlns:r="http://schemas.openxmlformats.org/officeDocument/2006/relationships" xmlns:p="http://schemas.openxmlformats.org/presentationml/2006/main">
   <p:cSld>
     <p:spTree>
@@ -10820,7 +10880,7 @@
 </p:sld>
 </file>
 
-<file path=ppt/slides/slide13.xml><?xml version="1.0" encoding="utf-8"?>
+<file path=ppt/slides/slide14.xml><?xml version="1.0" encoding="utf-8"?>
 <p:sld xmlns:a="http://schemas.openxmlformats.org/drawingml/2006/main" xmlns:r="http://schemas.openxmlformats.org/officeDocument/2006/relationships" xmlns:p="http://schemas.openxmlformats.org/presentationml/2006/main">
   <p:cSld>
     <p:spTree>
@@ -10887,7 +10947,7 @@
 </p:sld>
 </file>
 
-<file path=ppt/slides/slide14.xml><?xml version="1.0" encoding="utf-8"?>
+<file path=ppt/slides/slide15.xml><?xml version="1.0" encoding="utf-8"?>
 <p:sld xmlns:a="http://schemas.openxmlformats.org/drawingml/2006/main" xmlns:r="http://schemas.openxmlformats.org/officeDocument/2006/relationships" xmlns:p="http://schemas.openxmlformats.org/presentationml/2006/main">
   <p:cSld>
     <p:spTree>
@@ -10986,7 +11046,7 @@
 </p:sld>
 </file>
 
-<file path=ppt/slides/slide15.xml><?xml version="1.0" encoding="utf-8"?>
+<file path=ppt/slides/slide16.xml><?xml version="1.0" encoding="utf-8"?>
 <p:sld xmlns:a="http://schemas.openxmlformats.org/drawingml/2006/main" xmlns:r="http://schemas.openxmlformats.org/officeDocument/2006/relationships" xmlns:p="http://schemas.openxmlformats.org/presentationml/2006/main">
   <p:cSld>
     <p:spTree>
@@ -11053,7 +11113,7 @@
 </p:sld>
 </file>
 
-<file path=ppt/slides/slide16.xml><?xml version="1.0" encoding="utf-8"?>
+<file path=ppt/slides/slide17.xml><?xml version="1.0" encoding="utf-8"?>
 <p:sld xmlns:a="http://schemas.openxmlformats.org/drawingml/2006/main" xmlns:r="http://schemas.openxmlformats.org/officeDocument/2006/relationships" xmlns:p="http://schemas.openxmlformats.org/presentationml/2006/main">
   <p:cSld>
     <p:spTree>
@@ -12153,91 +12213,6 @@
 </p:sld>
 </file>
 
-<file path=ppt/slides/slide17.xml><?xml version="1.0" encoding="utf-8"?>
-<p:sld xmlns:a="http://schemas.openxmlformats.org/drawingml/2006/main" xmlns:r="http://schemas.openxmlformats.org/officeDocument/2006/relationships" xmlns:p="http://schemas.openxmlformats.org/presentationml/2006/main">
-  <p:cSld>
-    <p:spTree>
-      <p:nvGrpSpPr>
-        <p:cNvPr id="1" name=""/>
-        <p:cNvGrpSpPr/>
-        <p:nvPr/>
-      </p:nvGrpSpPr>
-      <p:grpSpPr>
-        <a:xfrm>
-          <a:off x="0" y="0"/>
-          <a:ext cx="0" cy="0"/>
-          <a:chOff x="0" y="0"/>
-          <a:chExt cx="0" cy="0"/>
-        </a:xfrm>
-      </p:grpSpPr>
-      <p:sp>
-        <p:nvSpPr>
-          <p:cNvPr id="2" name="Content Placeholder 1"/>
-          <p:cNvSpPr>
-            <a:spLocks noGrp="1"/>
-          </p:cNvSpPr>
-          <p:nvPr>
-            <p:ph idx="1"/>
-          </p:nvPr>
-        </p:nvSpPr>
-        <p:spPr/>
-        <p:txBody>
-          <a:bodyPr/>
-          <a:lstStyle/>
-          <a:p>
-            <a:r>
-              <a:rPr lang="en-US" sz="1800" dirty="0" smtClean="0"/>
-              <a:t>Application functions related to authentication and session management are often not implemented correctly, allowing attackers to compromise passwords, keys, or session tokens, or to exploit other implementation flaws to assume other users’ identities.</a:t>
-            </a:r>
-          </a:p>
-          <a:p>
-            <a:pPr>
-              <a:buNone/>
-            </a:pPr>
-            <a:endParaRPr lang="en-US" sz="1800" dirty="0" smtClean="0"/>
-          </a:p>
-          <a:p>
-            <a:endParaRPr lang="en-US" dirty="0" smtClean="0"/>
-          </a:p>
-        </p:txBody>
-      </p:sp>
-      <p:sp>
-        <p:nvSpPr>
-          <p:cNvPr id="3" name="Title 2"/>
-          <p:cNvSpPr>
-            <a:spLocks noGrp="1"/>
-          </p:cNvSpPr>
-          <p:nvPr>
-            <p:ph type="title"/>
-          </p:nvPr>
-        </p:nvSpPr>
-        <p:spPr/>
-        <p:txBody>
-          <a:bodyPr/>
-          <a:lstStyle/>
-          <a:p>
-            <a:r>
-              <a:rPr lang="en-US" dirty="0" smtClean="0"/>
-              <a:t>A2-Broken Authentication or Session Management (PCI-DSS 6.5.10)</a:t>
-            </a:r>
-            <a:br>
-              <a:rPr lang="en-US" dirty="0" smtClean="0"/>
-            </a:br>
-            <a:endParaRPr lang="en-US" dirty="0"/>
-          </a:p>
-        </p:txBody>
-      </p:sp>
-    </p:spTree>
-  </p:cSld>
-  <p:clrMapOvr>
-    <a:masterClrMapping/>
-  </p:clrMapOvr>
-  <p:transition>
-    <p:fade/>
-  </p:transition>
-</p:sld>
-</file>
-
 <file path=ppt/slides/slide18.xml><?xml version="1.0" encoding="utf-8"?>
 <p:sld xmlns:a="http://schemas.openxmlformats.org/drawingml/2006/main" xmlns:r="http://schemas.openxmlformats.org/officeDocument/2006/relationships" xmlns:p="http://schemas.openxmlformats.org/presentationml/2006/main">
   <p:cSld>
@@ -12272,33 +12247,17 @@
           <a:p>
             <a:r>
               <a:rPr lang="en-US" sz="1800" dirty="0" smtClean="0"/>
-              <a:t>Access to a valid session token allows an attacker to impersonate another logged-in user. </a:t>
-            </a:r>
-          </a:p>
-          <a:p>
-            <a:r>
-              <a:rPr lang="en-US" sz="1800" dirty="0" smtClean="0"/>
-              <a:t>An attacker may can gain access to a session token by stealing it (i.e. retrieving it from an unencrypted wire packet, URL, or session cookie), or by predicting it.</a:t>
-            </a:r>
-          </a:p>
-          <a:p>
-            <a:r>
-              <a:rPr lang="en-US" sz="1800" dirty="0" smtClean="0"/>
-              <a:t>If the session token is not sufficiently random, it can be predicted.</a:t>
-            </a:r>
-          </a:p>
-          <a:p>
-            <a:r>
-              <a:rPr lang="en-US" sz="1800" dirty="0" smtClean="0"/>
-              <a:t>If the session token is not strongly encrypted, it can be stolen in transit, or from a persisted cookie. </a:t>
-            </a:r>
-          </a:p>
-          <a:p>
-            <a:r>
-              <a:rPr lang="en-US" sz="1800" dirty="0" smtClean="0"/>
-              <a:t>If the user can set their own session cookie, a session fixation attack is possible. </a:t>
-            </a:r>
-            <a:endParaRPr lang="en-US" sz="1800" dirty="0"/>
+              <a:t>Application functions related to authentication and session management are often not implemented correctly, allowing attackers to compromise passwords, keys, or session tokens, or to exploit other implementation flaws to assume other users’ identities.</a:t>
+            </a:r>
+          </a:p>
+          <a:p>
+            <a:pPr>
+              <a:buNone/>
+            </a:pPr>
+            <a:endParaRPr lang="en-US" sz="1800" dirty="0" smtClean="0"/>
+          </a:p>
+          <a:p>
+            <a:endParaRPr lang="en-US" dirty="0" smtClean="0"/>
           </a:p>
         </p:txBody>
       </p:sp>
@@ -12319,8 +12278,11 @@
           <a:p>
             <a:r>
               <a:rPr lang="en-US" dirty="0" smtClean="0"/>
-              <a:t>SESSION HIJACKING</a:t>
-            </a:r>
+              <a:t>A2-Broken Authentication or Session Management (PCI-DSS 6.5.10)</a:t>
+            </a:r>
+            <a:br>
+              <a:rPr lang="en-US" dirty="0" smtClean="0"/>
+            </a:br>
             <a:endParaRPr lang="en-US" dirty="0"/>
           </a:p>
         </p:txBody>
@@ -12370,20 +12332,41 @@
           <a:p>
             <a:r>
               <a:rPr lang="en-US" sz="1800" dirty="0" smtClean="0"/>
-              <a:t>The attacker provides a URL with a “valid" session token to the victim.</a:t>
+              <a:t>Access to a valid session token allows an attacker to impersonate another logged-in user. </a:t>
             </a:r>
           </a:p>
           <a:p>
             <a:r>
               <a:rPr lang="en-US" sz="1800" dirty="0" smtClean="0"/>
-              <a:t>When the victim clicks the link, the site assigns that session token to identify the victim's session. </a:t>
-            </a:r>
-          </a:p>
-          <a:p>
+              <a:t>An attacker </a:t>
+            </a:r>
             <a:r>
               <a:rPr lang="en-US" sz="1800" dirty="0" smtClean="0"/>
-              <a:t>When the victim logs in to the site, if the site does not invalidate the session and assign a new one, the attacker can use his session token to impersonate the victim.</a:t>
-            </a:r>
+              <a:t>can </a:t>
+            </a:r>
+            <a:r>
+              <a:rPr lang="en-US" sz="1800" dirty="0" smtClean="0"/>
+              <a:t>gain access to a session token by stealing it (i.e. retrieving it from an unencrypted wire packet, URL, or session cookie), or by predicting it.</a:t>
+            </a:r>
+          </a:p>
+          <a:p>
+            <a:r>
+              <a:rPr lang="en-US" sz="1800" dirty="0" smtClean="0"/>
+              <a:t>If the session token is not sufficiently random, it can be predicted.</a:t>
+            </a:r>
+          </a:p>
+          <a:p>
+            <a:r>
+              <a:rPr lang="en-US" sz="1800" dirty="0" smtClean="0"/>
+              <a:t>If the session token is not strongly encrypted, it can be stolen in transit, or from a persisted cookie. </a:t>
+            </a:r>
+          </a:p>
+          <a:p>
+            <a:r>
+              <a:rPr lang="en-US" sz="1800" dirty="0" smtClean="0"/>
+              <a:t>If the user can set their own session cookie, a session fixation attack is possible. </a:t>
+            </a:r>
+            <a:endParaRPr lang="en-US" sz="1800" dirty="0"/>
           </a:p>
         </p:txBody>
       </p:sp>
@@ -12404,7 +12387,7 @@
           <a:p>
             <a:r>
               <a:rPr lang="en-US" dirty="0" smtClean="0"/>
-              <a:t>WHAT IS a SESSION FIXATION attack?</a:t>
+              <a:t>SESSION HIJACKING</a:t>
             </a:r>
             <a:endParaRPr lang="en-US" dirty="0"/>
           </a:p>
@@ -12440,7 +12423,65 @@
       </p:grpSpPr>
       <p:sp>
         <p:nvSpPr>
-          <p:cNvPr id="2" name="Title 1"/>
+          <p:cNvPr id="2" name="Content Placeholder 1"/>
+          <p:cNvSpPr>
+            <a:spLocks noGrp="1"/>
+          </p:cNvSpPr>
+          <p:nvPr>
+            <p:ph idx="1"/>
+          </p:nvPr>
+        </p:nvSpPr>
+        <p:spPr/>
+        <p:txBody>
+          <a:bodyPr/>
+          <a:lstStyle/>
+          <a:p>
+            <a:r>
+              <a:rPr lang="en-US" dirty="0" smtClean="0"/>
+              <a:t>Blackbaud vaults credit card data and processes payments for our clients</a:t>
+            </a:r>
+          </a:p>
+          <a:p>
+            <a:endParaRPr lang="en-US" dirty="0"/>
+          </a:p>
+          <a:p>
+            <a:r>
+              <a:rPr lang="en-US" dirty="0" smtClean="0"/>
+              <a:t>We also store personally identifiable information for our clients</a:t>
+            </a:r>
+          </a:p>
+          <a:p>
+            <a:endParaRPr lang="en-US" dirty="0" smtClean="0"/>
+          </a:p>
+          <a:p>
+            <a:r>
+              <a:rPr lang="en-US" dirty="0" smtClean="0"/>
+              <a:t>There are many data breaches every day</a:t>
+            </a:r>
+          </a:p>
+          <a:p>
+            <a:endParaRPr lang="en-US" dirty="0"/>
+          </a:p>
+          <a:p>
+            <a:r>
+              <a:rPr lang="en-US" dirty="0" smtClean="0"/>
+              <a:t>We all </a:t>
+            </a:r>
+            <a:r>
+              <a:rPr lang="en-US" dirty="0" smtClean="0"/>
+              <a:t>are responsible </a:t>
+            </a:r>
+            <a:r>
+              <a:rPr lang="en-US" dirty="0" smtClean="0"/>
+              <a:t>for protecting our clients and our company</a:t>
+            </a:r>
+            <a:endParaRPr lang="en-US" dirty="0"/>
+          </a:p>
+        </p:txBody>
+      </p:sp>
+      <p:sp>
+        <p:nvSpPr>
+          <p:cNvPr id="3" name="Title 2"/>
           <p:cNvSpPr>
             <a:spLocks noGrp="1"/>
           </p:cNvSpPr>
@@ -12455,15 +12496,48 @@
           <a:p>
             <a:r>
               <a:rPr lang="en-US" dirty="0" smtClean="0"/>
-              <a:t>Consequences of a serious breach?</a:t>
+              <a:t>Why do we care about security?</a:t>
             </a:r>
             <a:endParaRPr lang="en-US" dirty="0"/>
           </a:p>
         </p:txBody>
       </p:sp>
+    </p:spTree>
+    <p:extLst>
+      <p:ext uri="{BB962C8B-B14F-4D97-AF65-F5344CB8AC3E}">
+        <p14:creationId xmlns:p14="http://schemas.microsoft.com/office/powerpoint/2010/main" val="697558087"/>
+      </p:ext>
+    </p:extLst>
+  </p:cSld>
+  <p:clrMapOvr>
+    <a:masterClrMapping/>
+  </p:clrMapOvr>
+  <p:transition>
+    <p:fade/>
+  </p:transition>
+</p:sld>
+</file>
+
+<file path=ppt/slides/slide20.xml><?xml version="1.0" encoding="utf-8"?>
+<p:sld xmlns:a="http://schemas.openxmlformats.org/drawingml/2006/main" xmlns:r="http://schemas.openxmlformats.org/officeDocument/2006/relationships" xmlns:p="http://schemas.openxmlformats.org/presentationml/2006/main">
+  <p:cSld>
+    <p:spTree>
+      <p:nvGrpSpPr>
+        <p:cNvPr id="1" name=""/>
+        <p:cNvGrpSpPr/>
+        <p:nvPr/>
+      </p:nvGrpSpPr>
+      <p:grpSpPr>
+        <a:xfrm>
+          <a:off x="0" y="0"/>
+          <a:ext cx="0" cy="0"/>
+          <a:chOff x="0" y="0"/>
+          <a:chExt cx="0" cy="0"/>
+        </a:xfrm>
+      </p:grpSpPr>
       <p:sp>
         <p:nvSpPr>
-          <p:cNvPr id="3" name="Content Placeholder 2"/>
+          <p:cNvPr id="2" name="Content Placeholder 1"/>
           <p:cNvSpPr>
             <a:spLocks noGrp="1"/>
           </p:cNvSpPr>
@@ -12477,443 +12551,59 @@
           <a:lstStyle/>
           <a:p>
             <a:r>
-              <a:rPr lang="en-US" dirty="0" smtClean="0"/>
-              <a:t>Blackbaud could make the front page of the WSJ. For all the wrong reasons.</a:t>
-            </a:r>
-          </a:p>
-          <a:p>
-            <a:endParaRPr lang="en-US" dirty="0" smtClean="0"/>
-          </a:p>
-          <a:p>
-            <a:endParaRPr lang="en-US" dirty="0" smtClean="0"/>
-          </a:p>
-          <a:p>
-            <a:endParaRPr lang="en-US" dirty="0" smtClean="0"/>
-          </a:p>
-          <a:p>
-            <a:r>
-              <a:rPr lang="en-US" dirty="0" smtClean="0"/>
-              <a:t>Our company would lose a whole lot of money.</a:t>
-            </a:r>
-            <a:br>
-              <a:rPr lang="en-US" dirty="0" smtClean="0"/>
-            </a:br>
-            <a:endParaRPr lang="en-US" dirty="0" smtClean="0"/>
-          </a:p>
-          <a:p>
-            <a:r>
-              <a:rPr lang="en-US" dirty="0" smtClean="0"/>
-              <a:t>The fundraising ability and therefore the missions of our NPO clients would suffer.</a:t>
-            </a:r>
-            <a:br>
-              <a:rPr lang="en-US" dirty="0" smtClean="0"/>
-            </a:br>
-            <a:endParaRPr lang="en-US" dirty="0" smtClean="0"/>
-          </a:p>
-          <a:p>
-            <a:r>
-              <a:rPr lang="en-US" dirty="0" smtClean="0"/>
-              <a:t>It would seriously damage our clients’ confidence in us and our confidence in ourselves. </a:t>
-            </a:r>
-            <a:br>
-              <a:rPr lang="en-US" dirty="0" smtClean="0"/>
-            </a:br>
-            <a:endParaRPr lang="en-US" dirty="0" smtClean="0"/>
-          </a:p>
-          <a:p>
-            <a:r>
-              <a:rPr lang="en-US" dirty="0" smtClean="0"/>
-              <a:t>It wouldn’t look good on your résumé.</a:t>
-            </a:r>
-          </a:p>
-          <a:p>
-            <a:pPr>
-              <a:buNone/>
-            </a:pPr>
-            <a:endParaRPr lang="en-US" dirty="0" smtClean="0"/>
+              <a:rPr lang="en-US" sz="1800" dirty="0" smtClean="0"/>
+              <a:t>The attacker provides a URL with a “valid" session token to the victim.</a:t>
+            </a:r>
+          </a:p>
+          <a:p>
+            <a:r>
+              <a:rPr lang="en-US" sz="1800" dirty="0" smtClean="0"/>
+              <a:t>When the victim clicks the link, the site assigns that session token to identify the victim's session. </a:t>
+            </a:r>
+          </a:p>
+          <a:p>
+            <a:r>
+              <a:rPr lang="en-US" sz="1800" dirty="0" smtClean="0"/>
+              <a:t>When the victim logs in to the site, if the site does not invalidate the session and assign a new one, the attacker can use his session token to impersonate the victim.</a:t>
+            </a:r>
           </a:p>
         </p:txBody>
       </p:sp>
-      <p:pic>
-        <p:nvPicPr>
-          <p:cNvPr id="12291" name="Picture 3"/>
-          <p:cNvPicPr>
-            <a:picLocks noChangeAspect="1" noChangeArrowheads="1"/>
-          </p:cNvPicPr>
-          <p:nvPr/>
-        </p:nvPicPr>
-        <p:blipFill>
-          <a:blip r:embed="rId2"/>
-          <a:srcRect/>
-          <a:stretch>
-            <a:fillRect/>
-          </a:stretch>
-        </p:blipFill>
-        <p:spPr bwMode="auto">
-          <a:xfrm>
-            <a:off x="2077395" y="1997772"/>
-            <a:ext cx="4762500" cy="942975"/>
-          </a:xfrm>
-          <a:prstGeom prst="rect">
-            <a:avLst/>
-          </a:prstGeom>
-          <a:noFill/>
-          <a:ln w="9525">
-            <a:noFill/>
-            <a:miter lim="800000"/>
-            <a:headEnd/>
-            <a:tailEnd/>
-          </a:ln>
-        </p:spPr>
-      </p:pic>
+      <p:sp>
+        <p:nvSpPr>
+          <p:cNvPr id="3" name="Title 2"/>
+          <p:cNvSpPr>
+            <a:spLocks noGrp="1"/>
+          </p:cNvSpPr>
+          <p:nvPr>
+            <p:ph type="title"/>
+          </p:nvPr>
+        </p:nvSpPr>
+        <p:spPr/>
+        <p:txBody>
+          <a:bodyPr/>
+          <a:lstStyle/>
+          <a:p>
+            <a:r>
+              <a:rPr lang="en-US" dirty="0" smtClean="0"/>
+              <a:t>WHAT IS a SESSION FIXATION attack?</a:t>
+            </a:r>
+            <a:endParaRPr lang="en-US" dirty="0"/>
+          </a:p>
+        </p:txBody>
+      </p:sp>
     </p:spTree>
   </p:cSld>
   <p:clrMapOvr>
     <a:masterClrMapping/>
   </p:clrMapOvr>
-  <p:transition/>
-  <p:timing>
-    <p:tnLst>
-      <p:par>
-        <p:cTn id="1" dur="indefinite" restart="never" nodeType="tmRoot">
-          <p:childTnLst>
-            <p:seq concurrent="1" nextAc="seek">
-              <p:cTn id="2" dur="indefinite" nodeType="mainSeq">
-                <p:childTnLst>
-                  <p:par>
-                    <p:cTn id="3" fill="hold">
-                      <p:stCondLst>
-                        <p:cond delay="indefinite"/>
-                      </p:stCondLst>
-                      <p:childTnLst>
-                        <p:par>
-                          <p:cTn id="4" fill="hold">
-                            <p:stCondLst>
-                              <p:cond delay="0"/>
-                            </p:stCondLst>
-                            <p:childTnLst>
-                              <p:par>
-                                <p:cTn id="5" presetID="10" presetClass="entr" presetSubtype="0" fill="hold" grpId="0" nodeType="clickEffect">
-                                  <p:stCondLst>
-                                    <p:cond delay="0"/>
-                                  </p:stCondLst>
-                                  <p:childTnLst>
-                                    <p:set>
-                                      <p:cBhvr>
-                                        <p:cTn id="6" dur="1" fill="hold">
-                                          <p:stCondLst>
-                                            <p:cond delay="0"/>
-                                          </p:stCondLst>
-                                        </p:cTn>
-                                        <p:tgtEl>
-                                          <p:spTgt spid="3">
-                                            <p:txEl>
-                                              <p:pRg st="0" end="0"/>
-                                            </p:txEl>
-                                          </p:spTgt>
-                                        </p:tgtEl>
-                                        <p:attrNameLst>
-                                          <p:attrName>style.visibility</p:attrName>
-                                        </p:attrNameLst>
-                                      </p:cBhvr>
-                                      <p:to>
-                                        <p:strVal val="visible"/>
-                                      </p:to>
-                                    </p:set>
-                                    <p:animEffect transition="in" filter="fade">
-                                      <p:cBhvr>
-                                        <p:cTn id="7" dur="2000"/>
-                                        <p:tgtEl>
-                                          <p:spTgt spid="3">
-                                            <p:txEl>
-                                              <p:pRg st="0" end="0"/>
-                                            </p:txEl>
-                                          </p:spTgt>
-                                        </p:tgtEl>
-                                      </p:cBhvr>
-                                    </p:animEffect>
-                                  </p:childTnLst>
-                                </p:cTn>
-                              </p:par>
-                            </p:childTnLst>
-                          </p:cTn>
-                        </p:par>
-                      </p:childTnLst>
-                    </p:cTn>
-                  </p:par>
-                  <p:par>
-                    <p:cTn id="8" fill="hold">
-                      <p:stCondLst>
-                        <p:cond delay="indefinite"/>
-                      </p:stCondLst>
-                      <p:childTnLst>
-                        <p:par>
-                          <p:cTn id="9" fill="hold">
-                            <p:stCondLst>
-                              <p:cond delay="0"/>
-                            </p:stCondLst>
-                            <p:childTnLst>
-                              <p:par>
-                                <p:cTn id="10" presetID="10" presetClass="entr" presetSubtype="0" fill="hold" grpId="0" nodeType="clickEffect">
-                                  <p:stCondLst>
-                                    <p:cond delay="0"/>
-                                  </p:stCondLst>
-                                  <p:childTnLst>
-                                    <p:set>
-                                      <p:cBhvr>
-                                        <p:cTn id="11" dur="1" fill="hold">
-                                          <p:stCondLst>
-                                            <p:cond delay="0"/>
-                                          </p:stCondLst>
-                                        </p:cTn>
-                                        <p:tgtEl>
-                                          <p:spTgt spid="3">
-                                            <p:txEl>
-                                              <p:pRg st="4" end="4"/>
-                                            </p:txEl>
-                                          </p:spTgt>
-                                        </p:tgtEl>
-                                        <p:attrNameLst>
-                                          <p:attrName>style.visibility</p:attrName>
-                                        </p:attrNameLst>
-                                      </p:cBhvr>
-                                      <p:to>
-                                        <p:strVal val="visible"/>
-                                      </p:to>
-                                    </p:set>
-                                    <p:animEffect transition="in" filter="fade">
-                                      <p:cBhvr>
-                                        <p:cTn id="12" dur="2000"/>
-                                        <p:tgtEl>
-                                          <p:spTgt spid="3">
-                                            <p:txEl>
-                                              <p:pRg st="4" end="4"/>
-                                            </p:txEl>
-                                          </p:spTgt>
-                                        </p:tgtEl>
-                                      </p:cBhvr>
-                                    </p:animEffect>
-                                  </p:childTnLst>
-                                </p:cTn>
-                              </p:par>
-                            </p:childTnLst>
-                          </p:cTn>
-                        </p:par>
-                      </p:childTnLst>
-                    </p:cTn>
-                  </p:par>
-                  <p:par>
-                    <p:cTn id="13" fill="hold">
-                      <p:stCondLst>
-                        <p:cond delay="indefinite"/>
-                      </p:stCondLst>
-                      <p:childTnLst>
-                        <p:par>
-                          <p:cTn id="14" fill="hold">
-                            <p:stCondLst>
-                              <p:cond delay="0"/>
-                            </p:stCondLst>
-                            <p:childTnLst>
-                              <p:par>
-                                <p:cTn id="15" presetID="10" presetClass="entr" presetSubtype="0" fill="hold" grpId="0" nodeType="clickEffect">
-                                  <p:stCondLst>
-                                    <p:cond delay="0"/>
-                                  </p:stCondLst>
-                                  <p:childTnLst>
-                                    <p:set>
-                                      <p:cBhvr>
-                                        <p:cTn id="16" dur="1" fill="hold">
-                                          <p:stCondLst>
-                                            <p:cond delay="0"/>
-                                          </p:stCondLst>
-                                        </p:cTn>
-                                        <p:tgtEl>
-                                          <p:spTgt spid="3">
-                                            <p:txEl>
-                                              <p:pRg st="5" end="5"/>
-                                            </p:txEl>
-                                          </p:spTgt>
-                                        </p:tgtEl>
-                                        <p:attrNameLst>
-                                          <p:attrName>style.visibility</p:attrName>
-                                        </p:attrNameLst>
-                                      </p:cBhvr>
-                                      <p:to>
-                                        <p:strVal val="visible"/>
-                                      </p:to>
-                                    </p:set>
-                                    <p:animEffect transition="in" filter="fade">
-                                      <p:cBhvr>
-                                        <p:cTn id="17" dur="2000"/>
-                                        <p:tgtEl>
-                                          <p:spTgt spid="3">
-                                            <p:txEl>
-                                              <p:pRg st="5" end="5"/>
-                                            </p:txEl>
-                                          </p:spTgt>
-                                        </p:tgtEl>
-                                      </p:cBhvr>
-                                    </p:animEffect>
-                                  </p:childTnLst>
-                                </p:cTn>
-                              </p:par>
-                            </p:childTnLst>
-                          </p:cTn>
-                        </p:par>
-                      </p:childTnLst>
-                    </p:cTn>
-                  </p:par>
-                  <p:par>
-                    <p:cTn id="18" fill="hold">
-                      <p:stCondLst>
-                        <p:cond delay="indefinite"/>
-                      </p:stCondLst>
-                      <p:childTnLst>
-                        <p:par>
-                          <p:cTn id="19" fill="hold">
-                            <p:stCondLst>
-                              <p:cond delay="0"/>
-                            </p:stCondLst>
-                            <p:childTnLst>
-                              <p:par>
-                                <p:cTn id="20" presetID="10" presetClass="entr" presetSubtype="0" fill="hold" grpId="0" nodeType="clickEffect">
-                                  <p:stCondLst>
-                                    <p:cond delay="0"/>
-                                  </p:stCondLst>
-                                  <p:childTnLst>
-                                    <p:set>
-                                      <p:cBhvr>
-                                        <p:cTn id="21" dur="1" fill="hold">
-                                          <p:stCondLst>
-                                            <p:cond delay="0"/>
-                                          </p:stCondLst>
-                                        </p:cTn>
-                                        <p:tgtEl>
-                                          <p:spTgt spid="3">
-                                            <p:txEl>
-                                              <p:pRg st="6" end="6"/>
-                                            </p:txEl>
-                                          </p:spTgt>
-                                        </p:tgtEl>
-                                        <p:attrNameLst>
-                                          <p:attrName>style.visibility</p:attrName>
-                                        </p:attrNameLst>
-                                      </p:cBhvr>
-                                      <p:to>
-                                        <p:strVal val="visible"/>
-                                      </p:to>
-                                    </p:set>
-                                    <p:animEffect transition="in" filter="fade">
-                                      <p:cBhvr>
-                                        <p:cTn id="22" dur="2000"/>
-                                        <p:tgtEl>
-                                          <p:spTgt spid="3">
-                                            <p:txEl>
-                                              <p:pRg st="6" end="6"/>
-                                            </p:txEl>
-                                          </p:spTgt>
-                                        </p:tgtEl>
-                                      </p:cBhvr>
-                                    </p:animEffect>
-                                  </p:childTnLst>
-                                </p:cTn>
-                              </p:par>
-                            </p:childTnLst>
-                          </p:cTn>
-                        </p:par>
-                      </p:childTnLst>
-                    </p:cTn>
-                  </p:par>
-                  <p:par>
-                    <p:cTn id="23" fill="hold">
-                      <p:stCondLst>
-                        <p:cond delay="indefinite"/>
-                      </p:stCondLst>
-                      <p:childTnLst>
-                        <p:par>
-                          <p:cTn id="24" fill="hold">
-                            <p:stCondLst>
-                              <p:cond delay="0"/>
-                            </p:stCondLst>
-                            <p:childTnLst>
-                              <p:par>
-                                <p:cTn id="25" presetID="10" presetClass="entr" presetSubtype="0" fill="hold" grpId="0" nodeType="clickEffect">
-                                  <p:stCondLst>
-                                    <p:cond delay="0"/>
-                                  </p:stCondLst>
-                                  <p:childTnLst>
-                                    <p:set>
-                                      <p:cBhvr>
-                                        <p:cTn id="26" dur="1" fill="hold">
-                                          <p:stCondLst>
-                                            <p:cond delay="0"/>
-                                          </p:stCondLst>
-                                        </p:cTn>
-                                        <p:tgtEl>
-                                          <p:spTgt spid="3">
-                                            <p:txEl>
-                                              <p:pRg st="7" end="7"/>
-                                            </p:txEl>
-                                          </p:spTgt>
-                                        </p:tgtEl>
-                                        <p:attrNameLst>
-                                          <p:attrName>style.visibility</p:attrName>
-                                        </p:attrNameLst>
-                                      </p:cBhvr>
-                                      <p:to>
-                                        <p:strVal val="visible"/>
-                                      </p:to>
-                                    </p:set>
-                                    <p:animEffect transition="in" filter="fade">
-                                      <p:cBhvr>
-                                        <p:cTn id="27" dur="2000"/>
-                                        <p:tgtEl>
-                                          <p:spTgt spid="3">
-                                            <p:txEl>
-                                              <p:pRg st="7" end="7"/>
-                                            </p:txEl>
-                                          </p:spTgt>
-                                        </p:tgtEl>
-                                      </p:cBhvr>
-                                    </p:animEffect>
-                                  </p:childTnLst>
-                                </p:cTn>
-                              </p:par>
-                            </p:childTnLst>
-                          </p:cTn>
-                        </p:par>
-                      </p:childTnLst>
-                    </p:cTn>
-                  </p:par>
-                </p:childTnLst>
-              </p:cTn>
-              <p:prevCondLst>
-                <p:cond evt="onPrev" delay="0">
-                  <p:tgtEl>
-                    <p:sldTgt/>
-                  </p:tgtEl>
-                </p:cond>
-              </p:prevCondLst>
-              <p:nextCondLst>
-                <p:cond evt="onNext" delay="0">
-                  <p:tgtEl>
-                    <p:sldTgt/>
-                  </p:tgtEl>
-                </p:cond>
-              </p:nextCondLst>
-            </p:seq>
-          </p:childTnLst>
-        </p:cTn>
-      </p:par>
-    </p:tnLst>
-    <p:bldLst>
-      <p:bldP spid="3" grpId="0" build="p"/>
-    </p:bldLst>
-  </p:timing>
+  <p:transition>
+    <p:fade/>
+  </p:transition>
 </p:sld>
 </file>
 
-<file path=ppt/slides/slide20.xml><?xml version="1.0" encoding="utf-8"?>
+<file path=ppt/slides/slide21.xml><?xml version="1.0" encoding="utf-8"?>
 <p:sld xmlns:a="http://schemas.openxmlformats.org/drawingml/2006/main" xmlns:r="http://schemas.openxmlformats.org/officeDocument/2006/relationships" xmlns:p="http://schemas.openxmlformats.org/presentationml/2006/main">
   <p:cSld>
     <p:spTree>
@@ -13391,7 +13081,7 @@
 </p:sld>
 </file>
 
-<file path=ppt/slides/slide21.xml><?xml version="1.0" encoding="utf-8"?>
+<file path=ppt/slides/slide22.xml><?xml version="1.0" encoding="utf-8"?>
 <p:sld xmlns:a="http://schemas.openxmlformats.org/drawingml/2006/main" xmlns:r="http://schemas.openxmlformats.org/officeDocument/2006/relationships" xmlns:p="http://schemas.openxmlformats.org/presentationml/2006/main">
   <p:cSld>
     <p:spTree>
@@ -13513,7 +13203,7 @@
 </p:sld>
 </file>
 
-<file path=ppt/slides/slide22.xml><?xml version="1.0" encoding="utf-8"?>
+<file path=ppt/slides/slide23.xml><?xml version="1.0" encoding="utf-8"?>
 <p:sld xmlns:a="http://schemas.openxmlformats.org/drawingml/2006/main" xmlns:r="http://schemas.openxmlformats.org/officeDocument/2006/relationships" xmlns:p="http://schemas.openxmlformats.org/presentationml/2006/main">
   <p:cSld>
     <p:spTree>
@@ -13547,23 +13237,15 @@
           <a:p>
             <a:r>
               <a:rPr lang="en-US" sz="1800" dirty="0" smtClean="0"/>
-              <a:t>Scrub inputs using </a:t>
-            </a:r>
-            <a:r>
-              <a:rPr lang="en-US" sz="1800" dirty="0" err="1" smtClean="0"/>
-              <a:t>regex</a:t>
+              <a:t>Scrub inputs using regex </a:t>
             </a:r>
             <a:r>
               <a:rPr lang="en-US" sz="1800" dirty="0" smtClean="0"/>
-              <a:t> patters for </a:t>
-            </a:r>
-            <a:r>
-              <a:rPr lang="en-US" sz="1800" dirty="0" err="1" smtClean="0"/>
-              <a:t>whitelisting</a:t>
+              <a:t>patterns </a:t>
             </a:r>
             <a:r>
               <a:rPr lang="en-US" sz="1800" dirty="0" smtClean="0"/>
-              <a:t> (i.e. only numbers allowed) and blacklisting (i.e. no </a:t>
+              <a:t>for whitelisting (i.e. only numbers allowed) and blacklisting (i.e. no </a:t>
             </a:r>
             <a:r>
               <a:rPr lang="en-US" sz="1800" dirty="0" err="1" smtClean="0"/>
@@ -13660,11 +13342,15 @@
             </a:r>
             <a:r>
               <a:rPr lang="en-US" sz="1800" dirty="0" err="1" smtClean="0"/>
-              <a:t>encodeForJavascrip</a:t>
+              <a:t>encodeForJavascript</a:t>
             </a:r>
             <a:r>
               <a:rPr lang="en-US" sz="1800" dirty="0" smtClean="0"/>
-              <a:t> vice-versa.</a:t>
+              <a:t> </a:t>
+            </a:r>
+            <a:r>
+              <a:rPr lang="en-US" sz="1800" dirty="0" smtClean="0"/>
+              <a:t>vice-versa.</a:t>
             </a:r>
             <a:endParaRPr lang="en-US" sz="1800" dirty="0"/>
           </a:p>
@@ -14252,95 +13938,6 @@
 </p:sld>
 </file>
 
-<file path=ppt/slides/slide23.xml><?xml version="1.0" encoding="utf-8"?>
-<p:sld xmlns:a="http://schemas.openxmlformats.org/drawingml/2006/main" xmlns:r="http://schemas.openxmlformats.org/officeDocument/2006/relationships" xmlns:p="http://schemas.openxmlformats.org/presentationml/2006/main">
-  <p:cSld>
-    <p:spTree>
-      <p:nvGrpSpPr>
-        <p:cNvPr id="1" name=""/>
-        <p:cNvGrpSpPr/>
-        <p:nvPr/>
-      </p:nvGrpSpPr>
-      <p:grpSpPr>
-        <a:xfrm>
-          <a:off x="0" y="0"/>
-          <a:ext cx="0" cy="0"/>
-          <a:chOff x="0" y="0"/>
-          <a:chExt cx="0" cy="0"/>
-        </a:xfrm>
-      </p:grpSpPr>
-      <p:sp>
-        <p:nvSpPr>
-          <p:cNvPr id="2" name="Content Placeholder 1"/>
-          <p:cNvSpPr>
-            <a:spLocks noGrp="1"/>
-          </p:cNvSpPr>
-          <p:nvPr>
-            <p:ph idx="1"/>
-          </p:nvPr>
-        </p:nvSpPr>
-        <p:spPr/>
-        <p:txBody>
-          <a:bodyPr/>
-          <a:lstStyle/>
-          <a:p>
-            <a:r>
-              <a:rPr lang="en-US" sz="1800" dirty="0" smtClean="0"/>
-              <a:t>A CSRF attack tricks the user into clicking a link while logged in to the site.</a:t>
-            </a:r>
-          </a:p>
-          <a:p>
-            <a:r>
-              <a:rPr lang="en-US" sz="1800" dirty="0" smtClean="0"/>
-              <a:t>This forces a logged-on victim’s browser to send a forged HTTP request, including the victim’s session cookie and any other automatically included authentication information, to a vulnerable web application. </a:t>
-            </a:r>
-          </a:p>
-          <a:p>
-            <a:r>
-              <a:rPr lang="en-US" sz="1800" dirty="0" smtClean="0"/>
-              <a:t>This allows the attacker to force the victim’s browser to generate requests the vulnerable application thinks are legitimate requests from the victim.</a:t>
-            </a:r>
-            <a:endParaRPr lang="en-US" sz="1800" dirty="0"/>
-          </a:p>
-        </p:txBody>
-      </p:sp>
-      <p:sp>
-        <p:nvSpPr>
-          <p:cNvPr id="3" name="Title 2"/>
-          <p:cNvSpPr>
-            <a:spLocks noGrp="1"/>
-          </p:cNvSpPr>
-          <p:nvPr>
-            <p:ph type="title"/>
-          </p:nvPr>
-        </p:nvSpPr>
-        <p:spPr/>
-        <p:txBody>
-          <a:bodyPr/>
-          <a:lstStyle/>
-          <a:p>
-            <a:r>
-              <a:rPr lang="en-US" dirty="0" smtClean="0"/>
-              <a:t>A8-Cross-Site Request Forgery (CSRF) (PCI-DSS 6.5.9)</a:t>
-            </a:r>
-            <a:br>
-              <a:rPr lang="en-US" dirty="0" smtClean="0"/>
-            </a:br>
-            <a:endParaRPr lang="en-US" dirty="0"/>
-          </a:p>
-        </p:txBody>
-      </p:sp>
-    </p:spTree>
-  </p:cSld>
-  <p:clrMapOvr>
-    <a:masterClrMapping/>
-  </p:clrMapOvr>
-  <p:transition>
-    <p:fade/>
-  </p:transition>
-</p:sld>
-</file>
-
 <file path=ppt/slides/slide24.xml><?xml version="1.0" encoding="utf-8"?>
 <p:sld xmlns:a="http://schemas.openxmlformats.org/drawingml/2006/main" xmlns:r="http://schemas.openxmlformats.org/officeDocument/2006/relationships" xmlns:p="http://schemas.openxmlformats.org/presentationml/2006/main">
   <p:cSld>
@@ -14375,91 +13972,20 @@
           <a:p>
             <a:r>
               <a:rPr lang="en-US" sz="1800" dirty="0" smtClean="0"/>
-              <a:t>CSRF attacks are difficult to detect, since requests come from a legitimate logged-in client.</a:t>
+              <a:t>A CSRF attack tricks the user into clicking a link while logged in to the site.</a:t>
             </a:r>
           </a:p>
           <a:p>
             <a:r>
               <a:rPr lang="en-US" sz="1800" dirty="0" smtClean="0"/>
-              <a:t>Typical attack might trigger a purchase, transfer, or profile data tampering.</a:t>
+              <a:t>This forces a logged-on victim’s browser to send a forged HTTP request, including the victim’s session cookie and any other automatically included authentication information, to a vulnerable web application. </a:t>
             </a:r>
           </a:p>
           <a:p>
             <a:r>
               <a:rPr lang="en-US" sz="1800" dirty="0" smtClean="0"/>
-              <a:t>Blind attack - not used for data theft as the attacker cannot see the response.</a:t>
-            </a:r>
-          </a:p>
-          <a:p>
-            <a:r>
-              <a:rPr lang="en-US" sz="1800" dirty="0" smtClean="0"/>
-              <a:t>Evil site executes a request against the target site, perhaps by embedding the request in an image tag, i.e. </a:t>
-            </a:r>
-          </a:p>
-          <a:p>
-            <a:pPr>
-              <a:buNone/>
-            </a:pPr>
-            <a:r>
-              <a:rPr lang="en-US" sz="1800" dirty="0" smtClean="0"/>
-              <a:t/>
-            </a:r>
-            <a:br>
-              <a:rPr lang="en-US" sz="1800" dirty="0" smtClean="0"/>
-            </a:br>
-            <a:r>
-              <a:rPr lang="en-US" dirty="0" smtClean="0">
-                <a:solidFill>
-                  <a:srgbClr val="FF0000"/>
-                </a:solidFill>
-                <a:latin typeface="Courier" pitchFamily="49" charset="0"/>
-              </a:rPr>
-              <a:t>&lt;</a:t>
-            </a:r>
-            <a:r>
-              <a:rPr lang="en-US" dirty="0" err="1" smtClean="0">
-                <a:solidFill>
-                  <a:srgbClr val="FF0000"/>
-                </a:solidFill>
-                <a:latin typeface="Courier" pitchFamily="49" charset="0"/>
-              </a:rPr>
-              <a:t>img</a:t>
-            </a:r>
-            <a:r>
-              <a:rPr lang="en-US" dirty="0" smtClean="0">
-                <a:solidFill>
-                  <a:srgbClr val="FF0000"/>
-                </a:solidFill>
-                <a:latin typeface="Courier" pitchFamily="49" charset="0"/>
-              </a:rPr>
-              <a:t> </a:t>
-            </a:r>
-            <a:r>
-              <a:rPr lang="en-US" dirty="0" err="1" smtClean="0">
-                <a:solidFill>
-                  <a:srgbClr val="FF0000"/>
-                </a:solidFill>
-                <a:latin typeface="Courier" pitchFamily="49" charset="0"/>
-              </a:rPr>
-              <a:t>src</a:t>
-            </a:r>
-            <a:r>
-              <a:rPr lang="en-US" dirty="0" smtClean="0">
-                <a:solidFill>
-                  <a:srgbClr val="FF0000"/>
-                </a:solidFill>
-                <a:latin typeface="Courier" pitchFamily="49" charset="0"/>
-              </a:rPr>
-              <a:t> = "https://bankusa.com/transfer?curr=usd&amp;amount=100.00&amp;to_account=008105162304" /&gt;</a:t>
-            </a:r>
-          </a:p>
-          <a:p>
-            <a:r>
-              <a:rPr lang="en-US" sz="1800" dirty="0" smtClean="0"/>
-              <a:t>A victim may be tricked by social engineering / phishing into visiting the evil site while logged in to the target site.</a:t>
-            </a:r>
-          </a:p>
-          <a:p>
+              <a:t>This allows the attacker to force the victim’s browser to generate requests the vulnerable application thinks are legitimate requests from the victim.</a:t>
+            </a:r>
             <a:endParaRPr lang="en-US" sz="1800" dirty="0"/>
           </a:p>
         </p:txBody>
@@ -14481,8 +14007,11 @@
           <a:p>
             <a:r>
               <a:rPr lang="en-US" dirty="0" smtClean="0"/>
-              <a:t>HOW CSRF WORKS</a:t>
-            </a:r>
+              <a:t>A8-Cross-Site Request Forgery (CSRF) (PCI-DSS 6.5.9)</a:t>
+            </a:r>
+            <a:br>
+              <a:rPr lang="en-US" dirty="0" smtClean="0"/>
+            </a:br>
             <a:endParaRPr lang="en-US" dirty="0"/>
           </a:p>
         </p:txBody>
@@ -14532,46 +14061,89 @@
           <a:p>
             <a:r>
               <a:rPr lang="en-US" sz="1800" dirty="0" smtClean="0"/>
-              <a:t>Where app requests may be subject to CSRF, you can use strong anti-CSRF tokens to ensure that requests are legitimate, since hackers won't be able to successfully predict the token value. </a:t>
+              <a:t>CSRF attacks are difficult to detect, since requests come from a legitimate logged-in client.</a:t>
+            </a:r>
+          </a:p>
+          <a:p>
+            <a:r>
+              <a:rPr lang="en-US" sz="1800" dirty="0" smtClean="0"/>
+              <a:t>Typical attack might trigger a purchase, transfer, or profile data tampering.</a:t>
+            </a:r>
+          </a:p>
+          <a:p>
+            <a:r>
+              <a:rPr lang="en-US" sz="1800" dirty="0" smtClean="0"/>
+              <a:t>Blind attack - not used for data theft as the attacker cannot see the response.</a:t>
+            </a:r>
+          </a:p>
+          <a:p>
+            <a:r>
+              <a:rPr lang="en-US" sz="1800" dirty="0" smtClean="0"/>
+              <a:t>Evil site executes a request against the target site, perhaps by embedding the request in an image tag, i.e. </a:t>
+            </a:r>
+          </a:p>
+          <a:p>
+            <a:pPr>
+              <a:buNone/>
+            </a:pPr>
+            <a:r>
+              <a:rPr lang="en-US" sz="1800" dirty="0" smtClean="0"/>
+              <a:t/>
             </a:r>
             <a:br>
               <a:rPr lang="en-US" sz="1800" dirty="0" smtClean="0"/>
             </a:br>
-            <a:endParaRPr lang="en-US" sz="1800" dirty="0" smtClean="0"/>
+            <a:r>
+              <a:rPr lang="en-US" dirty="0" smtClean="0">
+                <a:solidFill>
+                  <a:srgbClr val="FF0000"/>
+                </a:solidFill>
+                <a:latin typeface="Courier" pitchFamily="49" charset="0"/>
+              </a:rPr>
+              <a:t>&lt;</a:t>
+            </a:r>
+            <a:r>
+              <a:rPr lang="en-US" dirty="0" err="1" smtClean="0">
+                <a:solidFill>
+                  <a:srgbClr val="FF0000"/>
+                </a:solidFill>
+                <a:latin typeface="Courier" pitchFamily="49" charset="0"/>
+              </a:rPr>
+              <a:t>img</a:t>
+            </a:r>
+            <a:r>
+              <a:rPr lang="en-US" dirty="0" smtClean="0">
+                <a:solidFill>
+                  <a:srgbClr val="FF0000"/>
+                </a:solidFill>
+                <a:latin typeface="Courier" pitchFamily="49" charset="0"/>
+              </a:rPr>
+              <a:t> </a:t>
+            </a:r>
+            <a:r>
+              <a:rPr lang="en-US" dirty="0" err="1" smtClean="0">
+                <a:solidFill>
+                  <a:srgbClr val="FF0000"/>
+                </a:solidFill>
+                <a:latin typeface="Courier" pitchFamily="49" charset="0"/>
+              </a:rPr>
+              <a:t>src</a:t>
+            </a:r>
+            <a:r>
+              <a:rPr lang="en-US" dirty="0" smtClean="0">
+                <a:solidFill>
+                  <a:srgbClr val="FF0000"/>
+                </a:solidFill>
+                <a:latin typeface="Courier" pitchFamily="49" charset="0"/>
+              </a:rPr>
+              <a:t> = "https://bankusa.com/transfer?curr=usd&amp;amount=100.00&amp;to_account=008105162304" /&gt;</a:t>
+            </a:r>
           </a:p>
           <a:p>
             <a:r>
               <a:rPr lang="en-US" sz="1800" dirty="0" smtClean="0"/>
-              <a:t>These can also be used to prevent double submission of the same form.</a:t>
-            </a:r>
-            <a:br>
-              <a:rPr lang="en-US" sz="1800" dirty="0" smtClean="0"/>
-            </a:br>
-            <a:endParaRPr lang="en-US" sz="1800" dirty="0" smtClean="0"/>
-          </a:p>
-          <a:p>
-            <a:r>
-              <a:rPr lang="en-US" sz="1800" dirty="0" smtClean="0"/>
-              <a:t>OWASP </a:t>
-            </a:r>
-            <a:r>
-              <a:rPr lang="en-US" sz="1800" dirty="0" err="1" smtClean="0"/>
-              <a:t>CSRFGuard</a:t>
-            </a:r>
-            <a:r>
-              <a:rPr lang="en-US" sz="1800" dirty="0" smtClean="0"/>
-              <a:t> library can be used to generate token values </a:t>
-            </a:r>
-            <a:r>
-              <a:rPr lang="en-US" sz="1800" dirty="0" smtClean="0">
-                <a:hlinkClick r:id="rId2"/>
-              </a:rPr>
-              <a:t>https://www.owasp.org/index.php/Category:OWASP_CSRFGuard_Project</a:t>
-            </a:r>
-            <a:endParaRPr lang="en-US" sz="1800" dirty="0" smtClean="0"/>
-          </a:p>
-          <a:p>
-            <a:endParaRPr lang="en-US" sz="1800" dirty="0" smtClean="0"/>
+              <a:t>A victim may be tricked by social engineering / phishing into visiting the evil site while logged in to the target site.</a:t>
+            </a:r>
           </a:p>
           <a:p>
             <a:endParaRPr lang="en-US" sz="1800" dirty="0"/>
@@ -14595,7 +14167,7 @@
           <a:p>
             <a:r>
               <a:rPr lang="en-US" dirty="0" smtClean="0"/>
-              <a:t>PREVENTING CSRF</a:t>
+              <a:t>HOW CSRF WORKS</a:t>
             </a:r>
             <a:endParaRPr lang="en-US" dirty="0"/>
           </a:p>
@@ -14646,8 +14218,48 @@
           <a:p>
             <a:r>
               <a:rPr lang="en-US" sz="1800" dirty="0" smtClean="0"/>
-              <a:t>Most web applications verify function level access rights before making that functionality visible in the UI. However, applications need to perform the same access control checks on the server when each function is accessed. If requests are not verified, attackers will be able to forge requests in order to access functionality without proper authorization.</a:t>
-            </a:r>
+              <a:t>Where app requests may be subject to CSRF, you can use strong anti-CSRF tokens to ensure that requests are legitimate, since hackers won't be able to successfully predict the token value. </a:t>
+            </a:r>
+            <a:br>
+              <a:rPr lang="en-US" sz="1800" dirty="0" smtClean="0"/>
+            </a:br>
+            <a:endParaRPr lang="en-US" sz="1800" dirty="0" smtClean="0"/>
+          </a:p>
+          <a:p>
+            <a:r>
+              <a:rPr lang="en-US" sz="1800" dirty="0" smtClean="0"/>
+              <a:t>These can also be used to prevent double submission of the same form.</a:t>
+            </a:r>
+            <a:br>
+              <a:rPr lang="en-US" sz="1800" dirty="0" smtClean="0"/>
+            </a:br>
+            <a:endParaRPr lang="en-US" sz="1800" dirty="0" smtClean="0"/>
+          </a:p>
+          <a:p>
+            <a:r>
+              <a:rPr lang="en-US" sz="1800" dirty="0" smtClean="0"/>
+              <a:t>OWASP </a:t>
+            </a:r>
+            <a:r>
+              <a:rPr lang="en-US" sz="1800" dirty="0" err="1" smtClean="0"/>
+              <a:t>CSRFGuard</a:t>
+            </a:r>
+            <a:r>
+              <a:rPr lang="en-US" sz="1800" dirty="0" smtClean="0"/>
+              <a:t> library can be used to generate token values </a:t>
+            </a:r>
+            <a:r>
+              <a:rPr lang="en-US" sz="1800" dirty="0" smtClean="0">
+                <a:hlinkClick r:id="rId2"/>
+              </a:rPr>
+              <a:t>https://www.owasp.org/index.php/Category:OWASP_CSRFGuard_Project</a:t>
+            </a:r>
+            <a:endParaRPr lang="en-US" sz="1800" dirty="0" smtClean="0"/>
+          </a:p>
+          <a:p>
+            <a:endParaRPr lang="en-US" sz="1800" dirty="0" smtClean="0"/>
+          </a:p>
+          <a:p>
             <a:endParaRPr lang="en-US" sz="1800" dirty="0"/>
           </a:p>
         </p:txBody>
@@ -14669,7 +14281,7 @@
           <a:p>
             <a:r>
               <a:rPr lang="en-US" dirty="0" smtClean="0"/>
-              <a:t>A7-Missing Function Level Access Control (PCI-DSS 6.5.8)</a:t>
+              <a:t>PREVENTING CSRF</a:t>
             </a:r>
             <a:endParaRPr lang="en-US" dirty="0"/>
           </a:p>
@@ -14687,6 +14299,80 @@
 </file>
 
 <file path=ppt/slides/slide27.xml><?xml version="1.0" encoding="utf-8"?>
+<p:sld xmlns:a="http://schemas.openxmlformats.org/drawingml/2006/main" xmlns:r="http://schemas.openxmlformats.org/officeDocument/2006/relationships" xmlns:p="http://schemas.openxmlformats.org/presentationml/2006/main">
+  <p:cSld>
+    <p:spTree>
+      <p:nvGrpSpPr>
+        <p:cNvPr id="1" name=""/>
+        <p:cNvGrpSpPr/>
+        <p:nvPr/>
+      </p:nvGrpSpPr>
+      <p:grpSpPr>
+        <a:xfrm>
+          <a:off x="0" y="0"/>
+          <a:ext cx="0" cy="0"/>
+          <a:chOff x="0" y="0"/>
+          <a:chExt cx="0" cy="0"/>
+        </a:xfrm>
+      </p:grpSpPr>
+      <p:sp>
+        <p:nvSpPr>
+          <p:cNvPr id="2" name="Content Placeholder 1"/>
+          <p:cNvSpPr>
+            <a:spLocks noGrp="1"/>
+          </p:cNvSpPr>
+          <p:nvPr>
+            <p:ph idx="1"/>
+          </p:nvPr>
+        </p:nvSpPr>
+        <p:spPr/>
+        <p:txBody>
+          <a:bodyPr/>
+          <a:lstStyle/>
+          <a:p>
+            <a:r>
+              <a:rPr lang="en-US" sz="1800" dirty="0" smtClean="0"/>
+              <a:t>Most web applications verify function level access rights before making that functionality visible in the UI. However, applications need to perform the same access control checks on the server when each function is accessed. If requests are not verified, attackers will be able to forge requests in order to access functionality without proper authorization.</a:t>
+            </a:r>
+            <a:endParaRPr lang="en-US" sz="1800" dirty="0"/>
+          </a:p>
+        </p:txBody>
+      </p:sp>
+      <p:sp>
+        <p:nvSpPr>
+          <p:cNvPr id="3" name="Title 2"/>
+          <p:cNvSpPr>
+            <a:spLocks noGrp="1"/>
+          </p:cNvSpPr>
+          <p:nvPr>
+            <p:ph type="title"/>
+          </p:nvPr>
+        </p:nvSpPr>
+        <p:spPr/>
+        <p:txBody>
+          <a:bodyPr/>
+          <a:lstStyle/>
+          <a:p>
+            <a:r>
+              <a:rPr lang="en-US" dirty="0" smtClean="0"/>
+              <a:t>A7-Missing Function Level Access Control (PCI-DSS 6.5.8)</a:t>
+            </a:r>
+            <a:endParaRPr lang="en-US" dirty="0"/>
+          </a:p>
+        </p:txBody>
+      </p:sp>
+    </p:spTree>
+  </p:cSld>
+  <p:clrMapOvr>
+    <a:masterClrMapping/>
+  </p:clrMapOvr>
+  <p:transition>
+    <p:fade/>
+  </p:transition>
+</p:sld>
+</file>
+
+<file path=ppt/slides/slide28.xml><?xml version="1.0" encoding="utf-8"?>
 <p:sld xmlns:a="http://schemas.openxmlformats.org/drawingml/2006/main" xmlns:r="http://schemas.openxmlformats.org/officeDocument/2006/relationships" xmlns:p="http://schemas.openxmlformats.org/presentationml/2006/main">
   <p:cSld>
     <p:spTree>
@@ -15258,86 +14944,6 @@
 </p:sld>
 </file>
 
-<file path=ppt/slides/slide28.xml><?xml version="1.0" encoding="utf-8"?>
-<p:sld xmlns:a="http://schemas.openxmlformats.org/drawingml/2006/main" xmlns:r="http://schemas.openxmlformats.org/officeDocument/2006/relationships" xmlns:p="http://schemas.openxmlformats.org/presentationml/2006/main">
-  <p:cSld>
-    <p:spTree>
-      <p:nvGrpSpPr>
-        <p:cNvPr id="1" name=""/>
-        <p:cNvGrpSpPr/>
-        <p:nvPr/>
-      </p:nvGrpSpPr>
-      <p:grpSpPr>
-        <a:xfrm>
-          <a:off x="0" y="0"/>
-          <a:ext cx="0" cy="0"/>
-          <a:chOff x="0" y="0"/>
-          <a:chExt cx="0" cy="0"/>
-        </a:xfrm>
-      </p:grpSpPr>
-      <p:sp>
-        <p:nvSpPr>
-          <p:cNvPr id="2" name="Content Placeholder 1"/>
-          <p:cNvSpPr>
-            <a:spLocks noGrp="1"/>
-          </p:cNvSpPr>
-          <p:nvPr>
-            <p:ph idx="1"/>
-          </p:nvPr>
-        </p:nvSpPr>
-        <p:spPr/>
-        <p:txBody>
-          <a:bodyPr/>
-          <a:lstStyle/>
-          <a:p>
-            <a:r>
-              <a:rPr lang="en-US" sz="1800" dirty="0" smtClean="0"/>
-              <a:t>A direct object reference occurs when a developer exposes a reference to an internal implementation object, such as a file, directory, or database key. </a:t>
-            </a:r>
-          </a:p>
-          <a:p>
-            <a:r>
-              <a:rPr lang="en-US" sz="1800" dirty="0" smtClean="0"/>
-              <a:t>Without an access control check or other protection, attackers can manipulate these references to access unauthorized data.</a:t>
-            </a:r>
-            <a:endParaRPr lang="en-US" sz="1800" dirty="0"/>
-          </a:p>
-        </p:txBody>
-      </p:sp>
-      <p:sp>
-        <p:nvSpPr>
-          <p:cNvPr id="3" name="Title 2"/>
-          <p:cNvSpPr>
-            <a:spLocks noGrp="1"/>
-          </p:cNvSpPr>
-          <p:nvPr>
-            <p:ph type="title"/>
-          </p:nvPr>
-        </p:nvSpPr>
-        <p:spPr/>
-        <p:txBody>
-          <a:bodyPr/>
-          <a:lstStyle/>
-          <a:p>
-            <a:r>
-              <a:rPr lang="en-US" dirty="0" smtClean="0"/>
-              <a:t>A4-Insecure Direct Object References (PCI-DSS 6.5.8)</a:t>
-            </a:r>
-            <a:endParaRPr lang="en-US" dirty="0"/>
-          </a:p>
-        </p:txBody>
-      </p:sp>
-    </p:spTree>
-  </p:cSld>
-  <p:clrMapOvr>
-    <a:masterClrMapping/>
-  </p:clrMapOvr>
-  <p:transition>
-    <p:fade/>
-  </p:transition>
-</p:sld>
-</file>
-
 <file path=ppt/slides/slide29.xml><?xml version="1.0" encoding="utf-8"?>
 <p:sld xmlns:a="http://schemas.openxmlformats.org/drawingml/2006/main" xmlns:r="http://schemas.openxmlformats.org/officeDocument/2006/relationships" xmlns:p="http://schemas.openxmlformats.org/presentationml/2006/main">
   <p:cSld>
@@ -15372,130 +14978,13 @@
           <a:p>
             <a:r>
               <a:rPr lang="en-US" sz="1800" dirty="0" smtClean="0"/>
-              <a:t>By “forced browsing,” an attacker is able to guess unauthorized resource names by entering URLs. </a:t>
-            </a:r>
-          </a:p>
-          <a:p>
-            <a:endParaRPr lang="en-US" sz="1800" dirty="0" smtClean="0"/>
+              <a:t>A direct object reference occurs when a developer exposes a reference to an internal implementation object, such as a file, directory, or database key. </a:t>
+            </a:r>
           </a:p>
           <a:p>
             <a:r>
               <a:rPr lang="en-US" sz="1800" dirty="0" smtClean="0"/>
-              <a:t>One mitigation approach is to use container-based authorization in web.xml</a:t>
-            </a:r>
-          </a:p>
-          <a:p>
-            <a:endParaRPr lang="en-US" sz="1800" dirty="0" smtClean="0"/>
-          </a:p>
-          <a:p>
-            <a:pPr>
-              <a:buNone/>
-            </a:pPr>
-            <a:r>
-              <a:rPr lang="en-US" sz="1800" dirty="0" smtClean="0">
-                <a:solidFill>
-                  <a:srgbClr val="FF0000"/>
-                </a:solidFill>
-                <a:latin typeface="Courier" pitchFamily="49" charset="0"/>
-              </a:rPr>
-              <a:t>&lt;security-constraint&gt;</a:t>
-            </a:r>
-          </a:p>
-          <a:p>
-            <a:pPr>
-              <a:buNone/>
-            </a:pPr>
-            <a:r>
-              <a:rPr lang="en-US" sz="1800" dirty="0" smtClean="0">
-                <a:solidFill>
-                  <a:srgbClr val="FF0000"/>
-                </a:solidFill>
-                <a:latin typeface="Courier" pitchFamily="49" charset="0"/>
-              </a:rPr>
-              <a:t>    &lt;web-resource-collection&gt;</a:t>
-            </a:r>
-          </a:p>
-          <a:p>
-            <a:pPr>
-              <a:buNone/>
-            </a:pPr>
-            <a:r>
-              <a:rPr lang="en-US" sz="1800" dirty="0" smtClean="0">
-                <a:solidFill>
-                  <a:srgbClr val="FF0000"/>
-                </a:solidFill>
-                <a:latin typeface="Courier" pitchFamily="49" charset="0"/>
-              </a:rPr>
-              <a:t>         &lt;</a:t>
-            </a:r>
-            <a:r>
-              <a:rPr lang="en-US" sz="1800" dirty="0" err="1" smtClean="0">
-                <a:solidFill>
-                  <a:srgbClr val="FF0000"/>
-                </a:solidFill>
-                <a:latin typeface="Courier" pitchFamily="49" charset="0"/>
-              </a:rPr>
-              <a:t>url</a:t>
-            </a:r>
-            <a:r>
-              <a:rPr lang="en-US" sz="1800" dirty="0" smtClean="0">
-                <a:solidFill>
-                  <a:srgbClr val="FF0000"/>
-                </a:solidFill>
-                <a:latin typeface="Courier" pitchFamily="49" charset="0"/>
-              </a:rPr>
-              <a:t>-pattern&gt;</a:t>
-            </a:r>
-          </a:p>
-          <a:p>
-            <a:endParaRPr lang="en-US" sz="1800" dirty="0" smtClean="0"/>
-          </a:p>
-          <a:p>
-            <a:r>
-              <a:rPr lang="en-US" sz="1800" dirty="0" smtClean="0"/>
-              <a:t>Another option is to use indirect access maps with obfuscated parameters.</a:t>
-            </a:r>
-            <a:br>
-              <a:rPr lang="en-US" sz="1800" dirty="0" smtClean="0"/>
-            </a:br>
-            <a:endParaRPr lang="en-US" sz="1800" dirty="0" smtClean="0"/>
-          </a:p>
-          <a:p>
-            <a:r>
-              <a:rPr lang="en-US" sz="1800" dirty="0" smtClean="0"/>
-              <a:t>Use ESAPI </a:t>
-            </a:r>
-            <a:r>
-              <a:rPr lang="en-US" sz="1800" dirty="0" err="1" smtClean="0"/>
-              <a:t>RandomAccessMap</a:t>
-            </a:r>
-            <a:r>
-              <a:rPr lang="en-US" sz="1800" dirty="0" smtClean="0"/>
-              <a:t> class, </a:t>
-            </a:r>
-            <a:r>
-              <a:rPr lang="en-US" sz="1800" dirty="0" err="1" smtClean="0"/>
-              <a:t>addDirectReferenc</a:t>
-            </a:r>
-            <a:r>
-              <a:rPr lang="en-US" sz="1800" dirty="0" smtClean="0"/>
-              <a:t> and </a:t>
-            </a:r>
-            <a:r>
-              <a:rPr lang="en-US" sz="1800" dirty="0" err="1" smtClean="0"/>
-              <a:t>getInderectReference</a:t>
-            </a:r>
-            <a:r>
-              <a:rPr lang="en-US" sz="1800" dirty="0" smtClean="0"/>
-              <a:t> methods to create </a:t>
-            </a:r>
-            <a:r>
-              <a:rPr lang="en-US" sz="1800" dirty="0" err="1" smtClean="0"/>
-              <a:t>inderect</a:t>
-            </a:r>
-            <a:r>
-              <a:rPr lang="en-US" sz="1800" dirty="0" smtClean="0"/>
-              <a:t> access maps. </a:t>
+              <a:t>Without an access control check or other protection, attackers can manipulate these references to access unauthorized data.</a:t>
             </a:r>
             <a:endParaRPr lang="en-US" sz="1800" dirty="0"/>
           </a:p>
@@ -15518,7 +15007,7 @@
           <a:p>
             <a:r>
               <a:rPr lang="en-US" dirty="0" smtClean="0"/>
-              <a:t>MITIGATING FORCED BROWSING</a:t>
+              <a:t>A4-Insecure Direct Object References (PCI-DSS 6.5.8)</a:t>
             </a:r>
             <a:endParaRPr lang="en-US" dirty="0"/>
           </a:p>
@@ -15554,7 +15043,7 @@
       </p:grpSpPr>
       <p:sp>
         <p:nvSpPr>
-          <p:cNvPr id="4" name="Title 3"/>
+          <p:cNvPr id="2" name="Title 1"/>
           <p:cNvSpPr>
             <a:spLocks noGrp="1"/>
           </p:cNvSpPr>
@@ -15569,26 +15058,460 @@
           <a:p>
             <a:r>
               <a:rPr lang="en-US" dirty="0" smtClean="0"/>
-              <a:t>WITH THAT CONTEXT IN MIND…</a:t>
+              <a:t>Consequences of a serious breach?</a:t>
             </a:r>
             <a:endParaRPr lang="en-US" dirty="0"/>
           </a:p>
         </p:txBody>
       </p:sp>
+      <p:sp>
+        <p:nvSpPr>
+          <p:cNvPr id="3" name="Content Placeholder 2"/>
+          <p:cNvSpPr>
+            <a:spLocks noGrp="1"/>
+          </p:cNvSpPr>
+          <p:nvPr>
+            <p:ph idx="1"/>
+          </p:nvPr>
+        </p:nvSpPr>
+        <p:spPr/>
+        <p:txBody>
+          <a:bodyPr/>
+          <a:lstStyle/>
+          <a:p>
+            <a:r>
+              <a:rPr lang="en-US" dirty="0" smtClean="0"/>
+              <a:t>Blackbaud could make the front page of the WSJ. For all the wrong reasons.</a:t>
+            </a:r>
+          </a:p>
+          <a:p>
+            <a:endParaRPr lang="en-US" dirty="0" smtClean="0"/>
+          </a:p>
+          <a:p>
+            <a:endParaRPr lang="en-US" dirty="0" smtClean="0"/>
+          </a:p>
+          <a:p>
+            <a:endParaRPr lang="en-US" dirty="0" smtClean="0"/>
+          </a:p>
+          <a:p>
+            <a:r>
+              <a:rPr lang="en-US" dirty="0" smtClean="0"/>
+              <a:t>Our company would lose a whole lot of money.</a:t>
+            </a:r>
+            <a:br>
+              <a:rPr lang="en-US" dirty="0" smtClean="0"/>
+            </a:br>
+            <a:endParaRPr lang="en-US" dirty="0" smtClean="0"/>
+          </a:p>
+          <a:p>
+            <a:r>
+              <a:rPr lang="en-US" dirty="0" smtClean="0"/>
+              <a:t>The fundraising ability and therefore the missions of our NPO clients would suffer.</a:t>
+            </a:r>
+            <a:br>
+              <a:rPr lang="en-US" dirty="0" smtClean="0"/>
+            </a:br>
+            <a:endParaRPr lang="en-US" dirty="0" smtClean="0"/>
+          </a:p>
+          <a:p>
+            <a:r>
+              <a:rPr lang="en-US" dirty="0" smtClean="0"/>
+              <a:t>It would seriously damage our clients’ confidence in us and our confidence in ourselves. </a:t>
+            </a:r>
+            <a:br>
+              <a:rPr lang="en-US" dirty="0" smtClean="0"/>
+            </a:br>
+            <a:endParaRPr lang="en-US" dirty="0" smtClean="0"/>
+          </a:p>
+          <a:p>
+            <a:r>
+              <a:rPr lang="en-US" dirty="0" smtClean="0"/>
+              <a:t>It wouldn’t look good on your résumé.</a:t>
+            </a:r>
+          </a:p>
+          <a:p>
+            <a:pPr>
+              <a:buNone/>
+            </a:pPr>
+            <a:endParaRPr lang="en-US" dirty="0" smtClean="0"/>
+          </a:p>
+        </p:txBody>
+      </p:sp>
+      <p:pic>
+        <p:nvPicPr>
+          <p:cNvPr id="12291" name="Picture 3"/>
+          <p:cNvPicPr>
+            <a:picLocks noChangeAspect="1" noChangeArrowheads="1"/>
+          </p:cNvPicPr>
+          <p:nvPr/>
+        </p:nvPicPr>
+        <p:blipFill>
+          <a:blip r:embed="rId2"/>
+          <a:srcRect/>
+          <a:stretch>
+            <a:fillRect/>
+          </a:stretch>
+        </p:blipFill>
+        <p:spPr bwMode="auto">
+          <a:xfrm>
+            <a:off x="2077395" y="1997772"/>
+            <a:ext cx="4762500" cy="942975"/>
+          </a:xfrm>
+          <a:prstGeom prst="rect">
+            <a:avLst/>
+          </a:prstGeom>
+          <a:noFill/>
+          <a:ln w="9525">
+            <a:noFill/>
+            <a:miter lim="800000"/>
+            <a:headEnd/>
+            <a:tailEnd/>
+          </a:ln>
+        </p:spPr>
+      </p:pic>
     </p:spTree>
   </p:cSld>
   <p:clrMapOvr>
     <a:masterClrMapping/>
   </p:clrMapOvr>
-  <p:transition>
-    <p:fade/>
-  </p:transition>
+  <p:transition/>
   <p:timing>
     <p:tnLst>
       <p:par>
-        <p:cTn id="1" dur="indefinite" restart="never" nodeType="tmRoot"/>
+        <p:cTn id="1" dur="indefinite" restart="never" nodeType="tmRoot">
+          <p:childTnLst>
+            <p:seq concurrent="1" nextAc="seek">
+              <p:cTn id="2" dur="indefinite" nodeType="mainSeq">
+                <p:childTnLst>
+                  <p:par>
+                    <p:cTn id="3" fill="hold">
+                      <p:stCondLst>
+                        <p:cond delay="indefinite"/>
+                      </p:stCondLst>
+                      <p:childTnLst>
+                        <p:par>
+                          <p:cTn id="4" fill="hold">
+                            <p:stCondLst>
+                              <p:cond delay="0"/>
+                            </p:stCondLst>
+                            <p:childTnLst>
+                              <p:par>
+                                <p:cTn id="5" presetID="10" presetClass="entr" presetSubtype="0" fill="hold" grpId="0" nodeType="clickEffect">
+                                  <p:stCondLst>
+                                    <p:cond delay="0"/>
+                                  </p:stCondLst>
+                                  <p:childTnLst>
+                                    <p:set>
+                                      <p:cBhvr>
+                                        <p:cTn id="6" dur="1" fill="hold">
+                                          <p:stCondLst>
+                                            <p:cond delay="0"/>
+                                          </p:stCondLst>
+                                        </p:cTn>
+                                        <p:tgtEl>
+                                          <p:spTgt spid="3">
+                                            <p:txEl>
+                                              <p:pRg st="0" end="0"/>
+                                            </p:txEl>
+                                          </p:spTgt>
+                                        </p:tgtEl>
+                                        <p:attrNameLst>
+                                          <p:attrName>style.visibility</p:attrName>
+                                        </p:attrNameLst>
+                                      </p:cBhvr>
+                                      <p:to>
+                                        <p:strVal val="visible"/>
+                                      </p:to>
+                                    </p:set>
+                                    <p:animEffect transition="in" filter="fade">
+                                      <p:cBhvr>
+                                        <p:cTn id="7" dur="2000"/>
+                                        <p:tgtEl>
+                                          <p:spTgt spid="3">
+                                            <p:txEl>
+                                              <p:pRg st="0" end="0"/>
+                                            </p:txEl>
+                                          </p:spTgt>
+                                        </p:tgtEl>
+                                      </p:cBhvr>
+                                    </p:animEffect>
+                                  </p:childTnLst>
+                                </p:cTn>
+                              </p:par>
+                            </p:childTnLst>
+                          </p:cTn>
+                        </p:par>
+                      </p:childTnLst>
+                    </p:cTn>
+                  </p:par>
+                  <p:par>
+                    <p:cTn id="8" fill="hold">
+                      <p:stCondLst>
+                        <p:cond delay="indefinite"/>
+                      </p:stCondLst>
+                      <p:childTnLst>
+                        <p:par>
+                          <p:cTn id="9" fill="hold">
+                            <p:stCondLst>
+                              <p:cond delay="0"/>
+                            </p:stCondLst>
+                            <p:childTnLst>
+                              <p:par>
+                                <p:cTn id="10" presetID="10" presetClass="entr" presetSubtype="0" fill="hold" grpId="0" nodeType="clickEffect">
+                                  <p:stCondLst>
+                                    <p:cond delay="0"/>
+                                  </p:stCondLst>
+                                  <p:childTnLst>
+                                    <p:set>
+                                      <p:cBhvr>
+                                        <p:cTn id="11" dur="1" fill="hold">
+                                          <p:stCondLst>
+                                            <p:cond delay="0"/>
+                                          </p:stCondLst>
+                                        </p:cTn>
+                                        <p:tgtEl>
+                                          <p:spTgt spid="3">
+                                            <p:txEl>
+                                              <p:pRg st="4" end="4"/>
+                                            </p:txEl>
+                                          </p:spTgt>
+                                        </p:tgtEl>
+                                        <p:attrNameLst>
+                                          <p:attrName>style.visibility</p:attrName>
+                                        </p:attrNameLst>
+                                      </p:cBhvr>
+                                      <p:to>
+                                        <p:strVal val="visible"/>
+                                      </p:to>
+                                    </p:set>
+                                    <p:animEffect transition="in" filter="fade">
+                                      <p:cBhvr>
+                                        <p:cTn id="12" dur="2000"/>
+                                        <p:tgtEl>
+                                          <p:spTgt spid="3">
+                                            <p:txEl>
+                                              <p:pRg st="4" end="4"/>
+                                            </p:txEl>
+                                          </p:spTgt>
+                                        </p:tgtEl>
+                                      </p:cBhvr>
+                                    </p:animEffect>
+                                  </p:childTnLst>
+                                </p:cTn>
+                              </p:par>
+                            </p:childTnLst>
+                          </p:cTn>
+                        </p:par>
+                      </p:childTnLst>
+                    </p:cTn>
+                  </p:par>
+                  <p:par>
+                    <p:cTn id="13" fill="hold">
+                      <p:stCondLst>
+                        <p:cond delay="indefinite"/>
+                      </p:stCondLst>
+                      <p:childTnLst>
+                        <p:par>
+                          <p:cTn id="14" fill="hold">
+                            <p:stCondLst>
+                              <p:cond delay="0"/>
+                            </p:stCondLst>
+                            <p:childTnLst>
+                              <p:par>
+                                <p:cTn id="15" presetID="10" presetClass="entr" presetSubtype="0" fill="hold" grpId="0" nodeType="clickEffect">
+                                  <p:stCondLst>
+                                    <p:cond delay="0"/>
+                                  </p:stCondLst>
+                                  <p:childTnLst>
+                                    <p:set>
+                                      <p:cBhvr>
+                                        <p:cTn id="16" dur="1" fill="hold">
+                                          <p:stCondLst>
+                                            <p:cond delay="0"/>
+                                          </p:stCondLst>
+                                        </p:cTn>
+                                        <p:tgtEl>
+                                          <p:spTgt spid="3">
+                                            <p:txEl>
+                                              <p:pRg st="5" end="5"/>
+                                            </p:txEl>
+                                          </p:spTgt>
+                                        </p:tgtEl>
+                                        <p:attrNameLst>
+                                          <p:attrName>style.visibility</p:attrName>
+                                        </p:attrNameLst>
+                                      </p:cBhvr>
+                                      <p:to>
+                                        <p:strVal val="visible"/>
+                                      </p:to>
+                                    </p:set>
+                                    <p:animEffect transition="in" filter="fade">
+                                      <p:cBhvr>
+                                        <p:cTn id="17" dur="2000"/>
+                                        <p:tgtEl>
+                                          <p:spTgt spid="3">
+                                            <p:txEl>
+                                              <p:pRg st="5" end="5"/>
+                                            </p:txEl>
+                                          </p:spTgt>
+                                        </p:tgtEl>
+                                      </p:cBhvr>
+                                    </p:animEffect>
+                                  </p:childTnLst>
+                                </p:cTn>
+                              </p:par>
+                            </p:childTnLst>
+                          </p:cTn>
+                        </p:par>
+                      </p:childTnLst>
+                    </p:cTn>
+                  </p:par>
+                  <p:par>
+                    <p:cTn id="18" fill="hold">
+                      <p:stCondLst>
+                        <p:cond delay="indefinite"/>
+                      </p:stCondLst>
+                      <p:childTnLst>
+                        <p:par>
+                          <p:cTn id="19" fill="hold">
+                            <p:stCondLst>
+                              <p:cond delay="0"/>
+                            </p:stCondLst>
+                            <p:childTnLst>
+                              <p:par>
+                                <p:cTn id="20" presetID="10" presetClass="entr" presetSubtype="0" fill="hold" grpId="0" nodeType="clickEffect">
+                                  <p:stCondLst>
+                                    <p:cond delay="0"/>
+                                  </p:stCondLst>
+                                  <p:childTnLst>
+                                    <p:set>
+                                      <p:cBhvr>
+                                        <p:cTn id="21" dur="1" fill="hold">
+                                          <p:stCondLst>
+                                            <p:cond delay="0"/>
+                                          </p:stCondLst>
+                                        </p:cTn>
+                                        <p:tgtEl>
+                                          <p:spTgt spid="3">
+                                            <p:txEl>
+                                              <p:pRg st="6" end="6"/>
+                                            </p:txEl>
+                                          </p:spTgt>
+                                        </p:tgtEl>
+                                        <p:attrNameLst>
+                                          <p:attrName>style.visibility</p:attrName>
+                                        </p:attrNameLst>
+                                      </p:cBhvr>
+                                      <p:to>
+                                        <p:strVal val="visible"/>
+                                      </p:to>
+                                    </p:set>
+                                    <p:animEffect transition="in" filter="fade">
+                                      <p:cBhvr>
+                                        <p:cTn id="22" dur="2000"/>
+                                        <p:tgtEl>
+                                          <p:spTgt spid="3">
+                                            <p:txEl>
+                                              <p:pRg st="6" end="6"/>
+                                            </p:txEl>
+                                          </p:spTgt>
+                                        </p:tgtEl>
+                                      </p:cBhvr>
+                                    </p:animEffect>
+                                  </p:childTnLst>
+                                </p:cTn>
+                              </p:par>
+                            </p:childTnLst>
+                          </p:cTn>
+                        </p:par>
+                      </p:childTnLst>
+                    </p:cTn>
+                  </p:par>
+                  <p:par>
+                    <p:cTn id="23" fill="hold">
+                      <p:stCondLst>
+                        <p:cond delay="indefinite"/>
+                      </p:stCondLst>
+                      <p:childTnLst>
+                        <p:par>
+                          <p:cTn id="24" fill="hold">
+                            <p:stCondLst>
+                              <p:cond delay="0"/>
+                            </p:stCondLst>
+                            <p:childTnLst>
+                              <p:par>
+                                <p:cTn id="25" presetID="10" presetClass="entr" presetSubtype="0" fill="hold" grpId="0" nodeType="clickEffect">
+                                  <p:stCondLst>
+                                    <p:cond delay="0"/>
+                                  </p:stCondLst>
+                                  <p:childTnLst>
+                                    <p:set>
+                                      <p:cBhvr>
+                                        <p:cTn id="26" dur="1" fill="hold">
+                                          <p:stCondLst>
+                                            <p:cond delay="0"/>
+                                          </p:stCondLst>
+                                        </p:cTn>
+                                        <p:tgtEl>
+                                          <p:spTgt spid="3">
+                                            <p:txEl>
+                                              <p:pRg st="7" end="7"/>
+                                            </p:txEl>
+                                          </p:spTgt>
+                                        </p:tgtEl>
+                                        <p:attrNameLst>
+                                          <p:attrName>style.visibility</p:attrName>
+                                        </p:attrNameLst>
+                                      </p:cBhvr>
+                                      <p:to>
+                                        <p:strVal val="visible"/>
+                                      </p:to>
+                                    </p:set>
+                                    <p:animEffect transition="in" filter="fade">
+                                      <p:cBhvr>
+                                        <p:cTn id="27" dur="2000"/>
+                                        <p:tgtEl>
+                                          <p:spTgt spid="3">
+                                            <p:txEl>
+                                              <p:pRg st="7" end="7"/>
+                                            </p:txEl>
+                                          </p:spTgt>
+                                        </p:tgtEl>
+                                      </p:cBhvr>
+                                    </p:animEffect>
+                                  </p:childTnLst>
+                                </p:cTn>
+                              </p:par>
+                            </p:childTnLst>
+                          </p:cTn>
+                        </p:par>
+                      </p:childTnLst>
+                    </p:cTn>
+                  </p:par>
+                </p:childTnLst>
+              </p:cTn>
+              <p:prevCondLst>
+                <p:cond evt="onPrev" delay="0">
+                  <p:tgtEl>
+                    <p:sldTgt/>
+                  </p:tgtEl>
+                </p:cond>
+              </p:prevCondLst>
+              <p:nextCondLst>
+                <p:cond evt="onNext" delay="0">
+                  <p:tgtEl>
+                    <p:sldTgt/>
+                  </p:tgtEl>
+                </p:cond>
+              </p:nextCondLst>
+            </p:seq>
+          </p:childTnLst>
+        </p:cTn>
       </p:par>
     </p:tnLst>
+    <p:bldLst>
+      <p:bldP spid="3" grpId="0" build="p"/>
+    </p:bldLst>
   </p:timing>
 </p:sld>
 </file>
@@ -15627,10 +15550,143 @@
           <a:p>
             <a:r>
               <a:rPr lang="en-US" sz="1800" dirty="0" smtClean="0"/>
-              <a:t>Many web applications do not properly protect sensitive data, such as credit cards, tax IDs, and authentication credentials. Attackers may steal or modify such weakly protected data to conduct credit card fraud, identity theft, or other crimes. Sensitive data deserves extra protection such as encryption at rest or in transit, as well as special precautions when exchanged with the browser.</a:t>
-            </a:r>
-          </a:p>
-          <a:p>
+              <a:t>By “forced browsing,” an attacker is able to guess unauthorized resource names by entering URLs. </a:t>
+            </a:r>
+          </a:p>
+          <a:p>
+            <a:endParaRPr lang="en-US" sz="1800" dirty="0" smtClean="0"/>
+          </a:p>
+          <a:p>
+            <a:r>
+              <a:rPr lang="en-US" sz="1800" dirty="0" smtClean="0"/>
+              <a:t>One mitigation approach is to use container-based authorization in web.xml</a:t>
+            </a:r>
+          </a:p>
+          <a:p>
+            <a:endParaRPr lang="en-US" sz="1800" dirty="0" smtClean="0"/>
+          </a:p>
+          <a:p>
+            <a:pPr>
+              <a:buNone/>
+            </a:pPr>
+            <a:r>
+              <a:rPr lang="en-US" sz="1800" dirty="0" smtClean="0">
+                <a:solidFill>
+                  <a:srgbClr val="FF0000"/>
+                </a:solidFill>
+                <a:latin typeface="Courier" pitchFamily="49" charset="0"/>
+              </a:rPr>
+              <a:t>&lt;security-constraint&gt;</a:t>
+            </a:r>
+          </a:p>
+          <a:p>
+            <a:pPr>
+              <a:buNone/>
+            </a:pPr>
+            <a:r>
+              <a:rPr lang="en-US" sz="1800" dirty="0" smtClean="0">
+                <a:solidFill>
+                  <a:srgbClr val="FF0000"/>
+                </a:solidFill>
+                <a:latin typeface="Courier" pitchFamily="49" charset="0"/>
+              </a:rPr>
+              <a:t>    &lt;web-resource-collection&gt;</a:t>
+            </a:r>
+          </a:p>
+          <a:p>
+            <a:pPr>
+              <a:buNone/>
+            </a:pPr>
+            <a:r>
+              <a:rPr lang="en-US" sz="1800" dirty="0" smtClean="0">
+                <a:solidFill>
+                  <a:srgbClr val="FF0000"/>
+                </a:solidFill>
+                <a:latin typeface="Courier" pitchFamily="49" charset="0"/>
+              </a:rPr>
+              <a:t>         &lt;</a:t>
+            </a:r>
+            <a:r>
+              <a:rPr lang="en-US" sz="1800" dirty="0" err="1" smtClean="0">
+                <a:solidFill>
+                  <a:srgbClr val="FF0000"/>
+                </a:solidFill>
+                <a:latin typeface="Courier" pitchFamily="49" charset="0"/>
+              </a:rPr>
+              <a:t>url</a:t>
+            </a:r>
+            <a:r>
+              <a:rPr lang="en-US" sz="1800" dirty="0" smtClean="0">
+                <a:solidFill>
+                  <a:srgbClr val="FF0000"/>
+                </a:solidFill>
+                <a:latin typeface="Courier" pitchFamily="49" charset="0"/>
+              </a:rPr>
+              <a:t>-pattern&gt;</a:t>
+            </a:r>
+          </a:p>
+          <a:p>
+            <a:endParaRPr lang="en-US" sz="1800" dirty="0" smtClean="0"/>
+          </a:p>
+          <a:p>
+            <a:r>
+              <a:rPr lang="en-US" sz="1800" dirty="0" smtClean="0"/>
+              <a:t>Another option is to use indirect access maps with obfuscated parameters.</a:t>
+            </a:r>
+            <a:br>
+              <a:rPr lang="en-US" sz="1800" dirty="0" smtClean="0"/>
+            </a:br>
+            <a:endParaRPr lang="en-US" sz="1800" dirty="0" smtClean="0"/>
+          </a:p>
+          <a:p>
+            <a:r>
+              <a:rPr lang="en-US" sz="1800" dirty="0" smtClean="0"/>
+              <a:t>Use ESAPI </a:t>
+            </a:r>
+            <a:r>
+              <a:rPr lang="en-US" sz="1800" dirty="0" err="1" smtClean="0"/>
+              <a:t>RandomAccessMap</a:t>
+            </a:r>
+            <a:r>
+              <a:rPr lang="en-US" sz="1800" dirty="0" smtClean="0"/>
+              <a:t> class, </a:t>
+            </a:r>
+            <a:r>
+              <a:rPr lang="en-US" sz="1800" dirty="0" err="1" smtClean="0"/>
+              <a:t>addDirectReference</a:t>
+            </a:r>
+            <a:r>
+              <a:rPr lang="en-US" sz="1800" dirty="0" smtClean="0"/>
+              <a:t> </a:t>
+            </a:r>
+            <a:r>
+              <a:rPr lang="en-US" sz="1800" dirty="0" smtClean="0"/>
+              <a:t>and </a:t>
+            </a:r>
+            <a:r>
+              <a:rPr lang="en-US" sz="1800" dirty="0" err="1" smtClean="0"/>
+              <a:t>getIndirectReference</a:t>
+            </a:r>
+            <a:r>
+              <a:rPr lang="en-US" sz="1800" dirty="0" smtClean="0"/>
+              <a:t> </a:t>
+            </a:r>
+            <a:r>
+              <a:rPr lang="en-US" sz="1800" dirty="0" smtClean="0"/>
+              <a:t>methods to </a:t>
+            </a:r>
+            <a:r>
+              <a:rPr lang="en-US" sz="1800" smtClean="0"/>
+              <a:t>create </a:t>
+            </a:r>
+            <a:r>
+              <a:rPr lang="en-US" sz="1800" smtClean="0"/>
+              <a:t>indirect </a:t>
+            </a:r>
+            <a:r>
+              <a:rPr lang="en-US" sz="1800" dirty="0" smtClean="0"/>
+              <a:t>access maps. </a:t>
+            </a:r>
             <a:endParaRPr lang="en-US" sz="1800" dirty="0"/>
           </a:p>
         </p:txBody>
@@ -15652,7 +15708,7 @@
           <a:p>
             <a:r>
               <a:rPr lang="en-US" dirty="0" smtClean="0"/>
-              <a:t>A6-Sensitive Data Exposure (PCI-DSS 6.5.6, 6.5.4)</a:t>
+              <a:t>MITIGATING FORCED BROWSING</a:t>
             </a:r>
             <a:endParaRPr lang="en-US" dirty="0"/>
           </a:p>
@@ -15703,71 +15759,8 @@
           <a:p>
             <a:r>
               <a:rPr lang="en-US" sz="1800" dirty="0" smtClean="0"/>
-              <a:t>Valuable information such as personally-identifying information, account numbers, SSNs, credentials and passwords etc. must never be stored in plain text.</a:t>
-            </a:r>
-          </a:p>
-          <a:p>
-            <a:endParaRPr lang="en-US" sz="1800" dirty="0" smtClean="0"/>
-          </a:p>
-          <a:p>
-            <a:r>
-              <a:rPr lang="en-US" sz="1800" dirty="0" smtClean="0"/>
-              <a:t>Be especially careful with log files. These get downloaded, copied to archives, etc., and leaks can proliferate. Don’t log data you don’t mean to log. By default, don’t log data.</a:t>
-            </a:r>
-          </a:p>
-          <a:p>
-            <a:endParaRPr lang="en-US" sz="1800" dirty="0" smtClean="0"/>
-          </a:p>
-          <a:p>
-            <a:r>
-              <a:rPr lang="en-US" sz="1800" dirty="0" smtClean="0"/>
-              <a:t>Use strong encryption libraries / algorithms for sensitive data (not MD5 or DES). Cf. </a:t>
-            </a:r>
-            <a:r>
-              <a:rPr lang="en-US" sz="1800" dirty="0" smtClean="0">
-                <a:hlinkClick r:id="rId2"/>
-              </a:rPr>
-              <a:t>http://MD5decryptor.co.uk</a:t>
-            </a:r>
-            <a:endParaRPr lang="en-US" sz="1800" dirty="0" smtClean="0"/>
-          </a:p>
-          <a:p>
-            <a:endParaRPr lang="en-US" sz="1800" dirty="0" smtClean="0"/>
-          </a:p>
-          <a:p>
-            <a:r>
-              <a:rPr lang="en-US" sz="1800" dirty="0" smtClean="0"/>
-              <a:t>Don't use unsalted crypto storage for passwords. </a:t>
-            </a:r>
-            <a:r>
-              <a:rPr lang="en-US" sz="1800" dirty="0" smtClean="0">
-                <a:hlinkClick r:id="rId3"/>
-              </a:rPr>
-              <a:t>http://splashdata.com/press/worstpasswords2013.htm</a:t>
-            </a:r>
-            <a:endParaRPr lang="en-US" sz="1800" dirty="0" smtClean="0"/>
-          </a:p>
-          <a:p>
-            <a:endParaRPr lang="en-US" sz="1800" dirty="0" smtClean="0"/>
-          </a:p>
-          <a:p>
-            <a:r>
-              <a:rPr lang="en-US" sz="1800" dirty="0" smtClean="0"/>
-              <a:t>HTTPS only for sensitive data. </a:t>
-            </a:r>
-            <a:r>
-              <a:rPr lang="en-US" sz="1800" dirty="0" smtClean="0">
-                <a:hlinkClick r:id="rId4"/>
-              </a:rPr>
-              <a:t>https://codebutler.github.io/firesheep/</a:t>
-            </a:r>
-            <a:endParaRPr lang="en-US" sz="1800" dirty="0" smtClean="0"/>
-          </a:p>
-          <a:p>
-            <a:endParaRPr lang="en-US" sz="1800" dirty="0" smtClean="0"/>
-          </a:p>
-          <a:p>
-            <a:endParaRPr lang="en-US" sz="1800" dirty="0" smtClean="0"/>
+              <a:t>Many web applications do not properly protect sensitive data, such as credit cards, tax IDs, and authentication credentials. Attackers may steal or modify such weakly protected data to conduct credit card fraud, identity theft, or other crimes. Sensitive data deserves extra protection such as encryption at rest or in transit, as well as special precautions when exchanged with the browser.</a:t>
+            </a:r>
           </a:p>
           <a:p>
             <a:endParaRPr lang="en-US" sz="1800" dirty="0"/>
@@ -15791,7 +15784,7 @@
           <a:p>
             <a:r>
               <a:rPr lang="en-US" dirty="0" smtClean="0"/>
-              <a:t>PROTECTING SENSITIVE INFORMATION</a:t>
+              <a:t>A6-Sensitive Data Exposure (PCI-DSS 6.5.6, 6.5.4)</a:t>
             </a:r>
             <a:endParaRPr lang="en-US" dirty="0"/>
           </a:p>
@@ -15842,7 +15835,7 @@
           <a:p>
             <a:r>
               <a:rPr lang="en-US" sz="1800" dirty="0" smtClean="0"/>
-              <a:t>Stolen credentials or CC numbers make headlines and cost $ millions.</a:t>
+              <a:t>Valuable information such as personally-identifying information, account numbers, SSNs, credentials and passwords etc. must never be stored in plain text.</a:t>
             </a:r>
           </a:p>
           <a:p>
@@ -15851,7 +15844,7 @@
           <a:p>
             <a:r>
               <a:rPr lang="en-US" sz="1800" dirty="0" smtClean="0"/>
-              <a:t>CC numbers must not be stored.</a:t>
+              <a:t>Be especially careful with log files. These get downloaded, copied to archives, etc., and leaks can proliferate. Don’t log data you don’t mean to log. By default, don’t log data.</a:t>
             </a:r>
           </a:p>
           <a:p>
@@ -15860,81 +15853,56 @@
           <a:p>
             <a:r>
               <a:rPr lang="en-US" sz="1800" dirty="0" smtClean="0"/>
-              <a:t>Passwords must be stored </a:t>
-            </a:r>
-            <a:r>
-              <a:rPr lang="en-US" sz="1800" b="1" dirty="0" smtClean="0"/>
-              <a:t>encrypted</a:t>
-            </a:r>
+              <a:t>Use strong encryption libraries / algorithms for sensitive data (not MD5 or DES). Cf. </a:t>
+            </a:r>
+            <a:r>
+              <a:rPr lang="en-US" sz="1800" dirty="0" smtClean="0">
+                <a:hlinkClick r:id="rId2"/>
+              </a:rPr>
+              <a:t>http://MD5decryptor.co.uk</a:t>
+            </a:r>
+            <a:endParaRPr lang="en-US" sz="1800" dirty="0" smtClean="0"/>
+          </a:p>
+          <a:p>
+            <a:endParaRPr lang="en-US" sz="1800" dirty="0" smtClean="0"/>
+          </a:p>
+          <a:p>
             <a:r>
               <a:rPr lang="en-US" sz="1800" dirty="0" smtClean="0"/>
-              <a:t> </a:t>
-            </a:r>
-            <a:r>
-              <a:rPr lang="en-US" sz="1800" b="1" dirty="0" smtClean="0"/>
-              <a:t>and salted</a:t>
-            </a:r>
+              <a:t>Don't use unsalted crypto storage for passwords. </a:t>
+            </a:r>
+            <a:r>
+              <a:rPr lang="en-US" sz="1800" dirty="0" smtClean="0">
+                <a:hlinkClick r:id="rId3"/>
+              </a:rPr>
+              <a:t>http://splashdata.com/press/worstpasswords2013.htm</a:t>
+            </a:r>
+            <a:endParaRPr lang="en-US" sz="1800" dirty="0" smtClean="0"/>
+          </a:p>
+          <a:p>
+            <a:endParaRPr lang="en-US" sz="1800" dirty="0" smtClean="0"/>
+          </a:p>
+          <a:p>
             <a:r>
               <a:rPr lang="en-US" sz="1800" dirty="0" smtClean="0"/>
-              <a:t>.</a:t>
-            </a:r>
-          </a:p>
-          <a:p>
-            <a:pPr>
-              <a:buNone/>
-            </a:pPr>
+              <a:t>HTTPS only for sensitive data. </a:t>
+            </a:r>
+            <a:r>
+              <a:rPr lang="en-US" sz="1800" dirty="0" smtClean="0">
+                <a:hlinkClick r:id="rId4"/>
+              </a:rPr>
+              <a:t>https://codebutler.github.io/firesheep/</a:t>
+            </a:r>
             <a:endParaRPr lang="en-US" sz="1800" dirty="0" smtClean="0"/>
           </a:p>
           <a:p>
-            <a:r>
-              <a:rPr lang="en-US" sz="1800" dirty="0" smtClean="0"/>
-              <a:t>Use </a:t>
-            </a:r>
-            <a:r>
-              <a:rPr lang="en-US" sz="1800" dirty="0" err="1" smtClean="0"/>
-              <a:t>Java.Security</a:t>
-            </a:r>
-            <a:r>
-              <a:rPr lang="en-US" sz="1800" dirty="0" smtClean="0"/>
-              <a:t> </a:t>
-            </a:r>
-            <a:r>
-              <a:rPr lang="en-US" sz="1800" dirty="0" err="1" smtClean="0"/>
-              <a:t>Javax.Crypto</a:t>
-            </a:r>
-            <a:r>
-              <a:rPr lang="en-US" sz="1800" dirty="0" smtClean="0"/>
-              <a:t> in JCA.</a:t>
-            </a:r>
-          </a:p>
-          <a:p>
             <a:endParaRPr lang="en-US" sz="1800" dirty="0" smtClean="0"/>
           </a:p>
           <a:p>
-            <a:r>
-              <a:rPr lang="en-US" sz="1800" dirty="0" smtClean="0"/>
-              <a:t>Generate salts with a cryptographically strong generator (not </a:t>
-            </a:r>
-            <a:r>
-              <a:rPr lang="en-US" sz="1800" dirty="0" err="1" smtClean="0"/>
-              <a:t>java.math.radom</a:t>
-            </a:r>
-            <a:r>
-              <a:rPr lang="en-US" sz="1800" dirty="0" smtClean="0"/>
-              <a:t>). </a:t>
-            </a:r>
-          </a:p>
-          <a:p>
             <a:endParaRPr lang="en-US" sz="1800" dirty="0" smtClean="0"/>
           </a:p>
           <a:p>
-            <a:r>
-              <a:rPr lang="en-US" sz="1800" dirty="0" smtClean="0"/>
-              <a:t>The salt value must be stored with the password hash. The salt may be stored in plaintext. The salt is used to create a copy of the hash for comparison when a user supplies his password to authenticate.</a:t>
-            </a:r>
-          </a:p>
-          <a:p>
-            <a:endParaRPr lang="en-US" dirty="0"/>
+            <a:endParaRPr lang="en-US" sz="1800" dirty="0"/>
           </a:p>
         </p:txBody>
       </p:sp>
@@ -15955,7 +15923,7 @@
           <a:p>
             <a:r>
               <a:rPr lang="en-US" dirty="0" smtClean="0"/>
-              <a:t>PROTECTING SENSITIVE INFORMATION (CONT’D)</a:t>
+              <a:t>PROTECTING SENSITIVE INFORMATION</a:t>
             </a:r>
             <a:endParaRPr lang="en-US" dirty="0"/>
           </a:p>
@@ -16006,7 +15974,7 @@
           <a:p>
             <a:r>
               <a:rPr lang="en-US" sz="1800" dirty="0" smtClean="0"/>
-              <a:t>Same generic error for bad username, password on login to prevent account enumeration.</a:t>
+              <a:t>Stolen credentials or CC numbers make headlines and cost $ millions.</a:t>
             </a:r>
           </a:p>
           <a:p>
@@ -16015,7 +15983,7 @@
           <a:p>
             <a:r>
               <a:rPr lang="en-US" sz="1800" dirty="0" smtClean="0"/>
-              <a:t>Use two-factor authentication for password reset</a:t>
+              <a:t>CC numbers must not be stored.</a:t>
             </a:r>
           </a:p>
           <a:p>
@@ -16024,22 +15992,48 @@
           <a:p>
             <a:r>
               <a:rPr lang="en-US" sz="1800" dirty="0" smtClean="0"/>
-              <a:t>Guard against brute force attack with account lockout (may be subject to </a:t>
-            </a:r>
-            <a:r>
-              <a:rPr lang="en-US" sz="1800" dirty="0" err="1" smtClean="0"/>
-              <a:t>DoS</a:t>
+              <a:t>Passwords must be stored </a:t>
+            </a:r>
+            <a:r>
+              <a:rPr lang="en-US" sz="1800" b="1" dirty="0" smtClean="0"/>
+              <a:t>encrypted</a:t>
             </a:r>
             <a:r>
               <a:rPr lang="en-US" sz="1800" dirty="0" smtClean="0"/>
-              <a:t> attack, also can permit account enumeration), password complexity (prevent dictionary hacks), increasing delay (discourages brute force attempts without the downside of lockout), or CAPCHA (may introduce ADA compliance issues).</a:t>
-            </a:r>
-          </a:p>
-          <a:p>
+              <a:t> </a:t>
+            </a:r>
+            <a:r>
+              <a:rPr lang="en-US" sz="1800" b="1" dirty="0" smtClean="0"/>
+              <a:t>and salted</a:t>
+            </a:r>
+            <a:r>
+              <a:rPr lang="en-US" sz="1800" dirty="0" smtClean="0"/>
+              <a:t>.</a:t>
+            </a:r>
+          </a:p>
+          <a:p>
+            <a:pPr marL="0" indent="0">
+              <a:buNone/>
+            </a:pPr>
             <a:endParaRPr lang="en-US" sz="1800" dirty="0" smtClean="0"/>
           </a:p>
           <a:p>
-            <a:endParaRPr lang="en-US" sz="1800" dirty="0"/>
+            <a:r>
+              <a:rPr lang="en-US" sz="1800" dirty="0" smtClean="0"/>
+              <a:t>Generate salts with a cryptographically strong generator.</a:t>
+            </a:r>
+          </a:p>
+          <a:p>
+            <a:endParaRPr lang="en-US" sz="1800" dirty="0" smtClean="0"/>
+          </a:p>
+          <a:p>
+            <a:r>
+              <a:rPr lang="en-US" sz="1800" dirty="0" smtClean="0"/>
+              <a:t>The salt value must be stored with the password hash. The salt may be stored in plaintext. The salt is used to create a copy of the hash for comparison when a user supplies his password to authenticate.</a:t>
+            </a:r>
+          </a:p>
+          <a:p>
+            <a:endParaRPr lang="en-US" dirty="0"/>
           </a:p>
         </p:txBody>
       </p:sp>
@@ -16060,7 +16054,7 @@
           <a:p>
             <a:r>
               <a:rPr lang="en-US" dirty="0" smtClean="0"/>
-              <a:t>PROTECTING SENSITIVE INFORMATION (LAST TOPIC)</a:t>
+              <a:t>PROTECTING SENSITIVE INFORMATION</a:t>
             </a:r>
             <a:endParaRPr lang="en-US" dirty="0"/>
           </a:p>
@@ -16111,7 +16105,7 @@
           <a:p>
             <a:r>
               <a:rPr lang="en-US" sz="1800" dirty="0" smtClean="0"/>
-              <a:t>PCI 6.5.2 regards Buffer Overflow vulnerabilities, “but we use Java...”</a:t>
+              <a:t>Same generic error for bad username, password on login to prevent account enumeration.</a:t>
             </a:r>
           </a:p>
           <a:p>
@@ -16120,71 +16114,30 @@
           <a:p>
             <a:r>
               <a:rPr lang="en-US" sz="1800" dirty="0" smtClean="0"/>
-              <a:t>Here's a WSDL document for Luminate Online Web Services (CWS):</a:t>
-            </a:r>
-            <a:br>
+              <a:t>Use two-factor authentication for password reset</a:t>
+            </a:r>
+          </a:p>
+          <a:p>
+            <a:endParaRPr lang="en-US" sz="1800" dirty="0" smtClean="0"/>
+          </a:p>
+          <a:p>
+            <a:r>
               <a:rPr lang="en-US" sz="1800" dirty="0" smtClean="0"/>
-            </a:br>
-            <a:r>
-              <a:rPr lang="en-US" dirty="0" smtClean="0">
-                <a:hlinkClick r:id="rId2"/>
-              </a:rPr>
-              <a:t>http://secure-bvtframework05.conviocloud.com:8443/1.0/bvtframework501/wsdl</a:t>
-            </a:r>
-            <a:endParaRPr lang="en-US" dirty="0" smtClean="0"/>
+              <a:t>Guard against brute force attack with account lockout (may be subject to </a:t>
+            </a:r>
+            <a:r>
+              <a:rPr lang="en-US" sz="1800" dirty="0" err="1" smtClean="0"/>
+              <a:t>DoS</a:t>
+            </a:r>
+            <a:r>
+              <a:rPr lang="en-US" sz="1800" dirty="0" smtClean="0"/>
+              <a:t> attack, also can permit account enumeration), password complexity (prevent dictionary hacks), increasing delay (discourages brute force attempts without the downside of lockout), or CAPCHA (may introduce ADA compliance issues).</a:t>
+            </a:r>
           </a:p>
           <a:p>
             <a:endParaRPr lang="en-US" sz="1800" dirty="0" smtClean="0"/>
           </a:p>
           <a:p>
-            <a:r>
-              <a:rPr lang="en-US" sz="1800" dirty="0" smtClean="0"/>
-              <a:t>Let's try the URL root:</a:t>
-            </a:r>
-            <a:br>
-              <a:rPr lang="en-US" sz="1800" dirty="0" smtClean="0"/>
-            </a:br>
-            <a:r>
-              <a:rPr lang="en-US" dirty="0" smtClean="0">
-                <a:hlinkClick r:id="rId3"/>
-              </a:rPr>
-              <a:t>http://secure-bvtframework05.conviocloud.com:8443/1.0/</a:t>
-            </a:r>
-            <a:endParaRPr lang="en-US" dirty="0" smtClean="0"/>
-          </a:p>
-          <a:p>
-            <a:endParaRPr lang="en-US" dirty="0" smtClean="0"/>
-          </a:p>
-          <a:p>
-            <a:r>
-              <a:rPr lang="en-US" sz="1800" dirty="0" smtClean="0"/>
-              <a:t>What's wrong with this error?</a:t>
-            </a:r>
-          </a:p>
-          <a:p>
-            <a:endParaRPr lang="en-US" sz="1800" dirty="0" smtClean="0"/>
-          </a:p>
-          <a:p>
-            <a:r>
-              <a:rPr lang="en-US" sz="1800" dirty="0" smtClean="0"/>
-              <a:t>This: </a:t>
-            </a:r>
-            <a:r>
-              <a:rPr lang="en-US" dirty="0" smtClean="0">
-                <a:hlinkClick r:id="rId4"/>
-              </a:rPr>
-              <a:t>https://web.nvd.nist.gov/view/vuln/search-results?query=Resin&amp;search_type=all&amp;cves=on</a:t>
-            </a:r>
-            <a:endParaRPr lang="en-US" dirty="0" smtClean="0"/>
-          </a:p>
-          <a:p>
-            <a:endParaRPr lang="en-US" sz="1800" dirty="0" smtClean="0"/>
-          </a:p>
-          <a:p>
-            <a:r>
-              <a:rPr lang="en-US" sz="1800" dirty="0" smtClean="0"/>
-              <a:t>By publishing that we're using Resin v3.1.8, we give an attacker a well-documented set of vulnerabilities to try to exploit. </a:t>
-            </a:r>
             <a:endParaRPr lang="en-US" sz="1800" dirty="0"/>
           </a:p>
         </p:txBody>
@@ -16206,7 +16159,7 @@
           <a:p>
             <a:r>
               <a:rPr lang="en-US" dirty="0" smtClean="0"/>
-              <a:t>A9-Using Components with Known Vulnerabilities (PCI-DSS 6.5.2)</a:t>
+              <a:t>PROTECTING SENSITIVE INFORMATION</a:t>
             </a:r>
             <a:endParaRPr lang="en-US" dirty="0"/>
           </a:p>
@@ -16257,24 +16210,41 @@
           <a:p>
             <a:r>
               <a:rPr lang="en-US" sz="1800" dirty="0" smtClean="0"/>
-              <a:t>This is hard, and there are no silver bullets</a:t>
-            </a:r>
-          </a:p>
-          <a:p>
+              <a:t>What the heck is a RAM scraper?</a:t>
+            </a:r>
+          </a:p>
+          <a:p>
+            <a:pPr lvl="1"/>
+            <a:r>
+              <a:rPr lang="en-US" sz="1800" dirty="0">
+                <a:hlinkClick r:id="rId2"/>
+              </a:rPr>
+              <a:t>http://recode.net/2014/01/13/what-the-heck-is-a-ram-scraper</a:t>
+            </a:r>
+            <a:r>
+              <a:rPr lang="en-US" sz="1800" dirty="0" smtClean="0">
+                <a:hlinkClick r:id="rId2"/>
+              </a:rPr>
+              <a:t>/</a:t>
+            </a:r>
             <a:endParaRPr lang="en-US" sz="1800" dirty="0" smtClean="0"/>
           </a:p>
           <a:p>
+            <a:endParaRPr lang="en-US" sz="1800" dirty="0" smtClean="0"/>
+          </a:p>
+          <a:p>
             <a:r>
               <a:rPr lang="en-US" sz="1800" dirty="0" smtClean="0"/>
-              <a:t>It’s a significant area of risk, cf. </a:t>
-            </a:r>
-            <a:r>
-              <a:rPr lang="en-US" sz="1800" dirty="0" err="1" smtClean="0"/>
-              <a:t>heartbleed</a:t>
-            </a:r>
+              <a:t>Keep sensitive data in memory as short a time as possible</a:t>
+            </a:r>
+          </a:p>
+          <a:p>
+            <a:endParaRPr lang="en-US" sz="1800" dirty="0" smtClean="0"/>
+          </a:p>
+          <a:p>
             <a:r>
               <a:rPr lang="en-US" sz="1800" dirty="0" smtClean="0"/>
-              <a:t>, poodle</a:t>
+              <a:t>Minimize locations where sensitive data is stored in memory</a:t>
             </a:r>
           </a:p>
           <a:p>
@@ -16283,7 +16253,7 @@
           <a:p>
             <a:r>
               <a:rPr lang="en-US" sz="1800" dirty="0" smtClean="0"/>
-              <a:t>Don’t advertise vulnerabilities (version numbers) in error messages</a:t>
+              <a:t>Keep data encrypted as long as possible</a:t>
             </a:r>
           </a:p>
           <a:p>
@@ -16292,44 +16262,28 @@
           <a:p>
             <a:r>
               <a:rPr lang="en-US" sz="1800" dirty="0" smtClean="0"/>
-              <a:t>Catalog all dependencies </a:t>
-            </a:r>
-          </a:p>
-          <a:p>
+              <a:t>More reading:</a:t>
+            </a:r>
+          </a:p>
+          <a:p>
+            <a:pPr lvl="1"/>
+            <a:r>
+              <a:rPr lang="en-US" sz="1800" dirty="0">
+                <a:hlinkClick r:id="rId3"/>
+              </a:rPr>
+              <a:t>https://msdn.microsoft.com/en-us/library/ff648276.aspx#</a:t>
+            </a:r>
+            <a:r>
+              <a:rPr lang="en-US" sz="1800" dirty="0" smtClean="0">
+                <a:hlinkClick r:id="rId3"/>
+              </a:rPr>
+              <a:t>SensitiveData2</a:t>
+            </a:r>
             <a:endParaRPr lang="en-US" sz="1800" dirty="0" smtClean="0"/>
           </a:p>
           <a:p>
-            <a:r>
-              <a:rPr lang="en-US" sz="1800" dirty="0" smtClean="0"/>
-              <a:t>Just because it's open source doesn't mean you need to improve it (cf. </a:t>
-            </a:r>
-            <a:r>
-              <a:rPr lang="en-US" sz="1800" dirty="0" err="1" smtClean="0"/>
-              <a:t>TinyMCE</a:t>
-            </a:r>
-            <a:r>
-              <a:rPr lang="en-US" sz="1800" dirty="0" smtClean="0"/>
-              <a:t>, YUI)</a:t>
-            </a:r>
-          </a:p>
-          <a:p>
-            <a:endParaRPr lang="en-US" sz="1800" dirty="0" smtClean="0"/>
-          </a:p>
-          <a:p>
-            <a:r>
-              <a:rPr lang="en-US" sz="1800" dirty="0" smtClean="0"/>
-              <a:t>Create standard operating procedures for managing patches and upgrades to stack and libraries</a:t>
-            </a:r>
-          </a:p>
-          <a:p>
-            <a:endParaRPr lang="en-US" sz="1800" dirty="0" smtClean="0"/>
-          </a:p>
-          <a:p>
-            <a:r>
-              <a:rPr lang="en-US" sz="1800" dirty="0" smtClean="0"/>
-              <a:t>Use centralized configuration and patch management in production</a:t>
-            </a:r>
-            <a:endParaRPr lang="en-US" sz="1800" dirty="0"/>
+            <a:pPr lvl="1"/>
+            <a:endParaRPr lang="en-US" dirty="0"/>
           </a:p>
         </p:txBody>
       </p:sp>
@@ -16350,11 +16304,156 @@
           <a:p>
             <a:r>
               <a:rPr lang="en-US" dirty="0" smtClean="0"/>
-              <a:t>MITIGATING OLD </a:t>
-            </a:r>
+              <a:t>Protecting sensitive data in memory</a:t>
+            </a:r>
+            <a:endParaRPr lang="en-US" dirty="0"/>
+          </a:p>
+        </p:txBody>
+      </p:sp>
+    </p:spTree>
+    <p:extLst>
+      <p:ext uri="{BB962C8B-B14F-4D97-AF65-F5344CB8AC3E}">
+        <p14:creationId xmlns:p14="http://schemas.microsoft.com/office/powerpoint/2010/main" val="671196143"/>
+      </p:ext>
+    </p:extLst>
+  </p:cSld>
+  <p:clrMapOvr>
+    <a:masterClrMapping/>
+  </p:clrMapOvr>
+  <p:transition>
+    <p:fade/>
+  </p:transition>
+</p:sld>
+</file>
+
+<file path=ppt/slides/slide36.xml><?xml version="1.0" encoding="utf-8"?>
+<p:sld xmlns:a="http://schemas.openxmlformats.org/drawingml/2006/main" xmlns:r="http://schemas.openxmlformats.org/officeDocument/2006/relationships" xmlns:p="http://schemas.openxmlformats.org/presentationml/2006/main">
+  <p:cSld>
+    <p:spTree>
+      <p:nvGrpSpPr>
+        <p:cNvPr id="1" name=""/>
+        <p:cNvGrpSpPr/>
+        <p:nvPr/>
+      </p:nvGrpSpPr>
+      <p:grpSpPr>
+        <a:xfrm>
+          <a:off x="0" y="0"/>
+          <a:ext cx="0" cy="0"/>
+          <a:chOff x="0" y="0"/>
+          <a:chExt cx="0" cy="0"/>
+        </a:xfrm>
+      </p:grpSpPr>
+      <p:sp>
+        <p:nvSpPr>
+          <p:cNvPr id="2" name="Content Placeholder 1"/>
+          <p:cNvSpPr>
+            <a:spLocks noGrp="1"/>
+          </p:cNvSpPr>
+          <p:nvPr>
+            <p:ph idx="1"/>
+          </p:nvPr>
+        </p:nvSpPr>
+        <p:spPr/>
+        <p:txBody>
+          <a:bodyPr/>
+          <a:lstStyle/>
+          <a:p>
+            <a:r>
+              <a:rPr lang="en-US" sz="1800" dirty="0" smtClean="0"/>
+              <a:t>This is hard, and there are no silver bullets</a:t>
+            </a:r>
+          </a:p>
+          <a:p>
+            <a:endParaRPr lang="en-US" sz="1800" dirty="0" smtClean="0"/>
+          </a:p>
+          <a:p>
+            <a:r>
+              <a:rPr lang="en-US" sz="1800" dirty="0" smtClean="0"/>
+              <a:t>It’s a significant area of risk, cf. </a:t>
+            </a:r>
+            <a:r>
+              <a:rPr lang="en-US" sz="1800" dirty="0" err="1" smtClean="0"/>
+              <a:t>heartbleed</a:t>
+            </a:r>
+            <a:r>
+              <a:rPr lang="en-US" sz="1800" dirty="0" smtClean="0"/>
+              <a:t>, poodle</a:t>
+            </a:r>
+          </a:p>
+          <a:p>
+            <a:endParaRPr lang="en-US" sz="1800" dirty="0" smtClean="0"/>
+          </a:p>
+          <a:p>
+            <a:r>
+              <a:rPr lang="en-US" sz="1800" dirty="0" smtClean="0"/>
+              <a:t>Don’t advertise vulnerabilities (version numbers) in error messages</a:t>
+            </a:r>
+          </a:p>
+          <a:p>
+            <a:endParaRPr lang="en-US" sz="1800" dirty="0" smtClean="0"/>
+          </a:p>
+          <a:p>
+            <a:r>
+              <a:rPr lang="en-US" sz="1800" dirty="0" smtClean="0"/>
+              <a:t>Catalog all dependencies </a:t>
+            </a:r>
+          </a:p>
+          <a:p>
+            <a:endParaRPr lang="en-US" sz="1800" dirty="0" smtClean="0"/>
+          </a:p>
+          <a:p>
+            <a:r>
+              <a:rPr lang="en-US" sz="1800" dirty="0" smtClean="0"/>
+              <a:t>Just because it's open source doesn't mean you need to improve it (cf. </a:t>
+            </a:r>
+            <a:r>
+              <a:rPr lang="en-US" sz="1800" dirty="0" err="1" smtClean="0"/>
+              <a:t>TinyMCE</a:t>
+            </a:r>
+            <a:r>
+              <a:rPr lang="en-US" sz="1800" dirty="0" smtClean="0"/>
+              <a:t>, YUI)</a:t>
+            </a:r>
+          </a:p>
+          <a:p>
+            <a:endParaRPr lang="en-US" sz="1800" dirty="0" smtClean="0"/>
+          </a:p>
+          <a:p>
+            <a:r>
+              <a:rPr lang="en-US" sz="1800" dirty="0" smtClean="0"/>
+              <a:t>Create standard operating procedures for managing patches and upgrades to stack and libraries</a:t>
+            </a:r>
+          </a:p>
+          <a:p>
+            <a:endParaRPr lang="en-US" sz="1800" dirty="0" smtClean="0"/>
+          </a:p>
+          <a:p>
+            <a:r>
+              <a:rPr lang="en-US" sz="1800" dirty="0" smtClean="0"/>
+              <a:t>Use centralized configuration and patch management in production</a:t>
+            </a:r>
+            <a:endParaRPr lang="en-US" sz="1800" dirty="0"/>
+          </a:p>
+        </p:txBody>
+      </p:sp>
+      <p:sp>
+        <p:nvSpPr>
+          <p:cNvPr id="3" name="Title 2"/>
+          <p:cNvSpPr>
+            <a:spLocks noGrp="1"/>
+          </p:cNvSpPr>
+          <p:nvPr>
+            <p:ph type="title"/>
+          </p:nvPr>
+        </p:nvSpPr>
+        <p:spPr/>
+        <p:txBody>
+          <a:bodyPr/>
+          <a:lstStyle/>
+          <a:p>
             <a:r>
               <a:rPr lang="en-US" dirty="0" smtClean="0"/>
-              <a:t>CRAP RISKS</a:t>
+              <a:t>MITIGATING OLD CRAP RISKS</a:t>
             </a:r>
             <a:endParaRPr lang="en-US" dirty="0"/>
           </a:p>
@@ -16831,7 +16930,7 @@
 </p:sld>
 </file>
 
-<file path=ppt/slides/slide36.xml><?xml version="1.0" encoding="utf-8"?>
+<file path=ppt/slides/slide37.xml><?xml version="1.0" encoding="utf-8"?>
 <p:sld xmlns:a="http://schemas.openxmlformats.org/drawingml/2006/main" xmlns:r="http://schemas.openxmlformats.org/officeDocument/2006/relationships" xmlns:p="http://schemas.openxmlformats.org/presentationml/2006/main">
   <p:cSld>
     <p:spTree>
@@ -17121,7 +17220,7 @@
 </p:sld>
 </file>
 
-<file path=ppt/slides/slide37.xml><?xml version="1.0" encoding="utf-8"?>
+<file path=ppt/slides/slide38.xml><?xml version="1.0" encoding="utf-8"?>
 <p:sld xmlns:a="http://schemas.openxmlformats.org/drawingml/2006/main" xmlns:r="http://schemas.openxmlformats.org/officeDocument/2006/relationships" xmlns:p="http://schemas.openxmlformats.org/presentationml/2006/main">
   <p:cSld>
     <p:spTree>
@@ -17210,7 +17309,7 @@
 </p:sld>
 </file>
 
-<file path=ppt/slides/slide38.xml><?xml version="1.0" encoding="utf-8"?>
+<file path=ppt/slides/slide39.xml><?xml version="1.0" encoding="utf-8"?>
 <p:sld xmlns:a="http://schemas.openxmlformats.org/drawingml/2006/main" xmlns:r="http://schemas.openxmlformats.org/officeDocument/2006/relationships" xmlns:p="http://schemas.openxmlformats.org/presentationml/2006/main">
   <p:cSld>
     <p:spTree>
@@ -17410,61 +17509,7 @@
       </p:grpSpPr>
       <p:sp>
         <p:nvSpPr>
-          <p:cNvPr id="2" name="Content Placeholder 1"/>
-          <p:cNvSpPr>
-            <a:spLocks noGrp="1"/>
-          </p:cNvSpPr>
-          <p:nvPr>
-            <p:ph idx="1"/>
-          </p:nvPr>
-        </p:nvSpPr>
-        <p:spPr/>
-        <p:txBody>
-          <a:bodyPr/>
-          <a:lstStyle/>
-          <a:p>
-            <a:r>
-              <a:rPr lang="en-US" dirty="0" smtClean="0"/>
-              <a:t>Good security requires having a secure configuration defined and deployed for the application, frameworks, application server, web server, database server, and platform.</a:t>
-            </a:r>
-            <a:br>
-              <a:rPr lang="en-US" dirty="0" smtClean="0"/>
-            </a:br>
-            <a:r>
-              <a:rPr lang="en-US" dirty="0" smtClean="0"/>
-              <a:t> </a:t>
-            </a:r>
-          </a:p>
-          <a:p>
-            <a:r>
-              <a:rPr lang="en-US" dirty="0" smtClean="0"/>
-              <a:t>Secure settings should be defined, implemented, and maintained, as defaults are often insecure. </a:t>
-            </a:r>
-            <a:br>
-              <a:rPr lang="en-US" dirty="0" smtClean="0"/>
-            </a:br>
-            <a:endParaRPr lang="en-US" dirty="0" smtClean="0"/>
-          </a:p>
-          <a:p>
-            <a:r>
-              <a:rPr lang="en-US" dirty="0" smtClean="0"/>
-              <a:t>Additionally, software and dependencies should be kept up to date.</a:t>
-            </a:r>
-          </a:p>
-          <a:p>
-            <a:endParaRPr lang="en-US" dirty="0" smtClean="0"/>
-          </a:p>
-          <a:p>
-            <a:r>
-              <a:rPr lang="en-US" b="1" i="1" dirty="0" smtClean="0"/>
-              <a:t>Much of this pertains more to Operations than to R&amp;D, but an understanding of the concepts is essential. Some of it has implications for R&amp;D.</a:t>
-            </a:r>
-          </a:p>
-        </p:txBody>
-      </p:sp>
-      <p:sp>
-        <p:nvSpPr>
-          <p:cNvPr id="3" name="Title 2"/>
+          <p:cNvPr id="4" name="Title 3"/>
           <p:cNvSpPr>
             <a:spLocks noGrp="1"/>
           </p:cNvSpPr>
@@ -17479,19 +17524,8 @@
           <a:p>
             <a:r>
               <a:rPr lang="en-US" dirty="0" smtClean="0"/>
-              <a:t>A5-Security </a:t>
-            </a:r>
-            <a:r>
-              <a:rPr lang="en-US" dirty="0" err="1" smtClean="0"/>
-              <a:t>Misconfiguration</a:t>
-            </a:r>
-            <a:r>
-              <a:rPr lang="en-US" dirty="0" smtClean="0"/>
-              <a:t/>
-            </a:r>
-            <a:br>
-              <a:rPr lang="en-US" dirty="0" smtClean="0"/>
-            </a:br>
+              <a:t>WITH THAT CONTEXT IN MIND…</a:t>
+            </a:r>
             <a:endParaRPr lang="en-US" dirty="0"/>
           </a:p>
         </p:txBody>
@@ -17547,6 +17581,121 @@
           <a:lstStyle/>
           <a:p>
             <a:r>
+              <a:rPr lang="en-US" dirty="0" smtClean="0"/>
+              <a:t>Good security requires having a secure configuration defined and deployed for the application, frameworks, application server, web server, database server, and platform.</a:t>
+            </a:r>
+            <a:br>
+              <a:rPr lang="en-US" dirty="0" smtClean="0"/>
+            </a:br>
+            <a:r>
+              <a:rPr lang="en-US" dirty="0" smtClean="0"/>
+              <a:t> </a:t>
+            </a:r>
+          </a:p>
+          <a:p>
+            <a:r>
+              <a:rPr lang="en-US" dirty="0" smtClean="0"/>
+              <a:t>Secure settings should be defined, implemented, and maintained, as defaults are often insecure. </a:t>
+            </a:r>
+            <a:br>
+              <a:rPr lang="en-US" dirty="0" smtClean="0"/>
+            </a:br>
+            <a:endParaRPr lang="en-US" dirty="0" smtClean="0"/>
+          </a:p>
+          <a:p>
+            <a:r>
+              <a:rPr lang="en-US" dirty="0" smtClean="0"/>
+              <a:t>Additionally, software and dependencies should be kept up to date.</a:t>
+            </a:r>
+          </a:p>
+          <a:p>
+            <a:endParaRPr lang="en-US" dirty="0" smtClean="0"/>
+          </a:p>
+          <a:p>
+            <a:r>
+              <a:rPr lang="en-US" b="1" i="1" dirty="0" smtClean="0"/>
+              <a:t>Much of this pertains more to Operations than to R&amp;D, but an understanding of the concepts is essential. Some of it has implications for R&amp;D.</a:t>
+            </a:r>
+          </a:p>
+        </p:txBody>
+      </p:sp>
+      <p:sp>
+        <p:nvSpPr>
+          <p:cNvPr id="3" name="Title 2"/>
+          <p:cNvSpPr>
+            <a:spLocks noGrp="1"/>
+          </p:cNvSpPr>
+          <p:nvPr>
+            <p:ph type="title"/>
+          </p:nvPr>
+        </p:nvSpPr>
+        <p:spPr/>
+        <p:txBody>
+          <a:bodyPr/>
+          <a:lstStyle/>
+          <a:p>
+            <a:r>
+              <a:rPr lang="en-US" dirty="0" smtClean="0"/>
+              <a:t>A5-Security Misconfiguration</a:t>
+            </a:r>
+            <a:br>
+              <a:rPr lang="en-US" dirty="0" smtClean="0"/>
+            </a:br>
+            <a:endParaRPr lang="en-US" dirty="0"/>
+          </a:p>
+        </p:txBody>
+      </p:sp>
+    </p:spTree>
+  </p:cSld>
+  <p:clrMapOvr>
+    <a:masterClrMapping/>
+  </p:clrMapOvr>
+  <p:transition>
+    <p:fade/>
+  </p:transition>
+  <p:timing>
+    <p:tnLst>
+      <p:par>
+        <p:cTn id="1" dur="indefinite" restart="never" nodeType="tmRoot"/>
+      </p:par>
+    </p:tnLst>
+  </p:timing>
+</p:sld>
+</file>
+
+<file path=ppt/slides/slide6.xml><?xml version="1.0" encoding="utf-8"?>
+<p:sld xmlns:a="http://schemas.openxmlformats.org/drawingml/2006/main" xmlns:r="http://schemas.openxmlformats.org/officeDocument/2006/relationships" xmlns:p="http://schemas.openxmlformats.org/presentationml/2006/main">
+  <p:cSld>
+    <p:spTree>
+      <p:nvGrpSpPr>
+        <p:cNvPr id="1" name=""/>
+        <p:cNvGrpSpPr/>
+        <p:nvPr/>
+      </p:nvGrpSpPr>
+      <p:grpSpPr>
+        <a:xfrm>
+          <a:off x="0" y="0"/>
+          <a:ext cx="0" cy="0"/>
+          <a:chOff x="0" y="0"/>
+          <a:chExt cx="0" cy="0"/>
+        </a:xfrm>
+      </p:grpSpPr>
+      <p:sp>
+        <p:nvSpPr>
+          <p:cNvPr id="2" name="Content Placeholder 1"/>
+          <p:cNvSpPr>
+            <a:spLocks noGrp="1"/>
+          </p:cNvSpPr>
+          <p:nvPr>
+            <p:ph idx="1"/>
+          </p:nvPr>
+        </p:nvSpPr>
+        <p:spPr/>
+        <p:txBody>
+          <a:bodyPr/>
+          <a:lstStyle/>
+          <a:p>
+            <a:r>
               <a:rPr lang="en-US" sz="1600" b="1" dirty="0" smtClean="0"/>
               <a:t>STRIDE threat modeling (Spoofing Identity, Tampering Data, Repudiation, Information Leak, Denial of Service, Elevation of Privilege).</a:t>
             </a:r>
@@ -17622,13 +17771,8 @@
           <a:p>
             <a:r>
               <a:rPr lang="en-US" sz="1600" b="1" dirty="0" smtClean="0"/>
-              <a:t>Test </a:t>
-            </a:r>
-            <a:r>
-              <a:rPr lang="en-US" sz="1600" b="1" smtClean="0"/>
-              <a:t>for vulnerability.</a:t>
-            </a:r>
-            <a:endParaRPr lang="en-US" sz="1600" b="1" dirty="0" smtClean="0"/>
+              <a:t>Test for vulnerability.</a:t>
+            </a:r>
           </a:p>
           <a:p>
             <a:endParaRPr lang="en-US" dirty="0" smtClean="0"/>
@@ -18437,7 +18581,7 @@
 </p:sld>
 </file>
 
-<file path=ppt/slides/slide6.xml><?xml version="1.0" encoding="utf-8"?>
+<file path=ppt/slides/slide7.xml><?xml version="1.0" encoding="utf-8"?>
 <p:sld xmlns:a="http://schemas.openxmlformats.org/drawingml/2006/main" xmlns:r="http://schemas.openxmlformats.org/officeDocument/2006/relationships" xmlns:p="http://schemas.openxmlformats.org/presentationml/2006/main">
   <p:cSld>
     <p:spTree>
@@ -18495,7 +18639,7 @@
 </p:sld>
 </file>
 
-<file path=ppt/slides/slide7.xml><?xml version="1.0" encoding="utf-8"?>
+<file path=ppt/slides/slide8.xml><?xml version="1.0" encoding="utf-8"?>
 <p:sld xmlns:a="http://schemas.openxmlformats.org/drawingml/2006/main" xmlns:r="http://schemas.openxmlformats.org/officeDocument/2006/relationships" xmlns:p="http://schemas.openxmlformats.org/presentationml/2006/main">
   <p:cSld>
     <p:spTree>
@@ -18765,7 +18909,7 @@
 </p:sld>
 </file>
 
-<file path=ppt/slides/slide8.xml><?xml version="1.0" encoding="utf-8"?>
+<file path=ppt/slides/slide9.xml><?xml version="1.0" encoding="utf-8"?>
 <p:sld xmlns:a="http://schemas.openxmlformats.org/drawingml/2006/main" xmlns:r="http://schemas.openxmlformats.org/officeDocument/2006/relationships" xmlns:p="http://schemas.openxmlformats.org/presentationml/2006/main">
   <p:cSld>
     <p:spTree>
@@ -18807,73 +18951,6 @@
           <a:noFill/>
           <a:ln>
             <a:noFill/>
-          </a:ln>
-        </p:spPr>
-      </p:pic>
-    </p:spTree>
-  </p:cSld>
-  <p:clrMapOvr>
-    <a:masterClrMapping/>
-  </p:clrMapOvr>
-  <p:transition>
-    <p:fade/>
-  </p:transition>
-  <p:timing>
-    <p:tnLst>
-      <p:par>
-        <p:cTn id="1" dur="indefinite" restart="never" nodeType="tmRoot"/>
-      </p:par>
-    </p:tnLst>
-  </p:timing>
-</p:sld>
-</file>
-
-<file path=ppt/slides/slide9.xml><?xml version="1.0" encoding="utf-8"?>
-<p:sld xmlns:a="http://schemas.openxmlformats.org/drawingml/2006/main" xmlns:r="http://schemas.openxmlformats.org/officeDocument/2006/relationships" xmlns:p="http://schemas.openxmlformats.org/presentationml/2006/main">
-  <p:cSld>
-    <p:spTree>
-      <p:nvGrpSpPr>
-        <p:cNvPr id="1" name=""/>
-        <p:cNvGrpSpPr/>
-        <p:nvPr/>
-      </p:nvGrpSpPr>
-      <p:grpSpPr>
-        <a:xfrm>
-          <a:off x="0" y="0"/>
-          <a:ext cx="0" cy="0"/>
-          <a:chOff x="0" y="0"/>
-          <a:chExt cx="0" cy="0"/>
-        </a:xfrm>
-      </p:grpSpPr>
-      <p:pic>
-        <p:nvPicPr>
-          <p:cNvPr id="2050" name="Picture 2"/>
-          <p:cNvPicPr>
-            <a:picLocks noChangeAspect="1" noChangeArrowheads="1"/>
-          </p:cNvPicPr>
-          <p:nvPr/>
-        </p:nvPicPr>
-        <p:blipFill>
-          <a:blip r:embed="rId2"/>
-          <a:srcRect/>
-          <a:stretch>
-            <a:fillRect/>
-          </a:stretch>
-        </p:blipFill>
-        <p:spPr bwMode="auto">
-          <a:xfrm>
-            <a:off x="0" y="0"/>
-            <a:ext cx="9189720" cy="5743575"/>
-          </a:xfrm>
-          <a:prstGeom prst="rect">
-            <a:avLst/>
-          </a:prstGeom>
-          <a:noFill/>
-          <a:ln w="9525">
-            <a:noFill/>
-            <a:miter lim="800000"/>
-            <a:headEnd/>
-            <a:tailEnd/>
           </a:ln>
         </p:spPr>
       </p:pic>
